--- a/Créez un outil de visualisation pour un réseau.pptx
+++ b/Créez un outil de visualisation pour un réseau.pptx
@@ -5,10 +5,10 @@
     <p:sldMasterId id="2147483669" r:id="rId1"/>
   </p:sldMasterIdLst>
   <p:notesMasterIdLst>
-    <p:notesMasterId r:id="rId15"/>
+    <p:notesMasterId r:id="rId16"/>
   </p:notesMasterIdLst>
   <p:handoutMasterIdLst>
-    <p:handoutMasterId r:id="rId16"/>
+    <p:handoutMasterId r:id="rId17"/>
   </p:handoutMasterIdLst>
   <p:sldIdLst>
     <p:sldId id="256" r:id="rId2"/>
@@ -19,11 +19,12 @@
     <p:sldId id="274" r:id="rId7"/>
     <p:sldId id="262" r:id="rId8"/>
     <p:sldId id="260" r:id="rId9"/>
-    <p:sldId id="269" r:id="rId10"/>
-    <p:sldId id="272" r:id="rId11"/>
-    <p:sldId id="266" r:id="rId12"/>
-    <p:sldId id="267" r:id="rId13"/>
-    <p:sldId id="271" r:id="rId14"/>
+    <p:sldId id="275" r:id="rId10"/>
+    <p:sldId id="269" r:id="rId11"/>
+    <p:sldId id="272" r:id="rId12"/>
+    <p:sldId id="266" r:id="rId13"/>
+    <p:sldId id="267" r:id="rId14"/>
+    <p:sldId id="271" r:id="rId15"/>
   </p:sldIdLst>
   <p:sldSz cx="12192000" cy="6858000"/>
   <p:notesSz cx="6858000" cy="9144000"/>
@@ -757,6 +758,90 @@
 </p:notes>
 </file>
 
+<file path=ppt/notesSlides/notesSlide10.xml><?xml version="1.0" encoding="utf-8"?>
+<p:notes xmlns:a="http://schemas.openxmlformats.org/drawingml/2006/main" xmlns:r="http://schemas.openxmlformats.org/officeDocument/2006/relationships" xmlns:p="http://schemas.openxmlformats.org/presentationml/2006/main">
+  <p:cSld>
+    <p:spTree>
+      <p:nvGrpSpPr>
+        <p:cNvPr id="1" name=""/>
+        <p:cNvGrpSpPr/>
+        <p:nvPr/>
+      </p:nvGrpSpPr>
+      <p:grpSpPr>
+        <a:xfrm>
+          <a:off x="0" y="0"/>
+          <a:ext cx="0" cy="0"/>
+          <a:chOff x="0" y="0"/>
+          <a:chExt cx="0" cy="0"/>
+        </a:xfrm>
+      </p:grpSpPr>
+      <p:sp>
+        <p:nvSpPr>
+          <p:cNvPr id="2" name="Espace réservé de l'image des diapositives 1"/>
+          <p:cNvSpPr>
+            <a:spLocks noGrp="1" noRot="1" noChangeAspect="1"/>
+          </p:cNvSpPr>
+          <p:nvPr>
+            <p:ph type="sldImg"/>
+          </p:nvPr>
+        </p:nvSpPr>
+        <p:spPr/>
+      </p:sp>
+      <p:sp>
+        <p:nvSpPr>
+          <p:cNvPr id="3" name="Espace réservé des notes 2"/>
+          <p:cNvSpPr>
+            <a:spLocks noGrp="1"/>
+          </p:cNvSpPr>
+          <p:nvPr>
+            <p:ph type="body" idx="1"/>
+          </p:nvPr>
+        </p:nvSpPr>
+        <p:spPr/>
+        <p:txBody>
+          <a:bodyPr/>
+          <a:lstStyle/>
+          <a:p>
+            <a:endParaRPr lang="fr-FR"/>
+          </a:p>
+        </p:txBody>
+      </p:sp>
+      <p:sp>
+        <p:nvSpPr>
+          <p:cNvPr id="4" name="Espace réservé du numéro de diapositive 3"/>
+          <p:cNvSpPr>
+            <a:spLocks noGrp="1"/>
+          </p:cNvSpPr>
+          <p:nvPr>
+            <p:ph type="sldNum" sz="quarter" idx="5"/>
+          </p:nvPr>
+        </p:nvSpPr>
+        <p:spPr/>
+        <p:txBody>
+          <a:bodyPr/>
+          <a:lstStyle/>
+          <a:p>
+            <a:fld id="{C7E15328-2FD5-4AB1-B846-CCAE8EA09498}" type="slidenum">
+              <a:rPr lang="fr-FR" smtClean="0"/>
+              <a:t>13</a:t>
+            </a:fld>
+            <a:endParaRPr lang="fr-FR"/>
+          </a:p>
+        </p:txBody>
+      </p:sp>
+    </p:spTree>
+    <p:extLst>
+      <p:ext uri="{BB962C8B-B14F-4D97-AF65-F5344CB8AC3E}">
+        <p14:creationId xmlns:p14="http://schemas.microsoft.com/office/powerpoint/2010/main" val="3757892538"/>
+      </p:ext>
+    </p:extLst>
+  </p:cSld>
+  <p:clrMapOvr>
+    <a:masterClrMapping/>
+  </p:clrMapOvr>
+</p:notes>
+</file>
+
 <file path=ppt/notesSlides/notesSlide2.xml><?xml version="1.0" encoding="utf-8"?>
 <p:notes xmlns:a="http://schemas.openxmlformats.org/drawingml/2006/main" xmlns:r="http://schemas.openxmlformats.org/officeDocument/2006/relationships" xmlns:p="http://schemas.openxmlformats.org/presentationml/2006/main">
   <p:cSld>
@@ -1251,7 +1336,7 @@
     </p:spTree>
     <p:extLst>
       <p:ext uri="{BB962C8B-B14F-4D97-AF65-F5344CB8AC3E}">
-        <p14:creationId xmlns:p14="http://schemas.microsoft.com/office/powerpoint/2010/main" val="3073019320"/>
+        <p14:creationId xmlns:p14="http://schemas.microsoft.com/office/powerpoint/2010/main" val="1913227573"/>
       </p:ext>
     </p:extLst>
   </p:cSld>
@@ -1326,7 +1411,7 @@
           <a:p>
             <a:fld id="{C7E15328-2FD5-4AB1-B846-CCAE8EA09498}" type="slidenum">
               <a:rPr lang="fr-FR" smtClean="0"/>
-              <a:t>11</a:t>
+              <a:t>10</a:t>
             </a:fld>
             <a:endParaRPr lang="fr-FR"/>
           </a:p>
@@ -1335,7 +1420,7 @@
     </p:spTree>
     <p:extLst>
       <p:ext uri="{BB962C8B-B14F-4D97-AF65-F5344CB8AC3E}">
-        <p14:creationId xmlns:p14="http://schemas.microsoft.com/office/powerpoint/2010/main" val="2184981323"/>
+        <p14:creationId xmlns:p14="http://schemas.microsoft.com/office/powerpoint/2010/main" val="3073019320"/>
       </p:ext>
     </p:extLst>
   </p:cSld>
@@ -1419,7 +1504,7 @@
     </p:spTree>
     <p:extLst>
       <p:ext uri="{BB962C8B-B14F-4D97-AF65-F5344CB8AC3E}">
-        <p14:creationId xmlns:p14="http://schemas.microsoft.com/office/powerpoint/2010/main" val="3757892538"/>
+        <p14:creationId xmlns:p14="http://schemas.microsoft.com/office/powerpoint/2010/main" val="2184981323"/>
       </p:ext>
     </p:extLst>
   </p:cSld>
@@ -1486,7 +1571,7 @@
           <a:noFill/>
           <a:extLst>
             <a:ext uri="{909E8E84-426E-40dd-AFC4-6F175D3DCCD1}">
-              <a14:hiddenFill xmlns="" xmlns:a14="http://schemas.microsoft.com/office/drawing/2010/main">
+              <a14:hiddenFill xmlns:a14="http://schemas.microsoft.com/office/drawing/2010/main" xmlns="">
                 <a:solidFill>
                   <a:srgbClr val="FFFFFF"/>
                 </a:solidFill>
@@ -1545,7 +1630,7 @@
             </a:ln>
             <a:extLst>
               <a:ext uri="{91240B29-F687-4f45-9708-019B960494DF}">
-                <a14:hiddenLine xmlns="" xmlns:a14="http://schemas.microsoft.com/office/drawing/2010/main" w="9525">
+                <a14:hiddenLine xmlns:a14="http://schemas.microsoft.com/office/drawing/2010/main" xmlns="" w="9525">
                   <a:solidFill>
                     <a:srgbClr val="000000"/>
                   </a:solidFill>
@@ -1635,7 +1720,7 @@
             </a:ln>
             <a:extLst>
               <a:ext uri="{91240B29-F687-4f45-9708-019B960494DF}">
-                <a14:hiddenLine xmlns="" xmlns:a14="http://schemas.microsoft.com/office/drawing/2010/main" w="9525">
+                <a14:hiddenLine xmlns:a14="http://schemas.microsoft.com/office/drawing/2010/main" xmlns="" w="9525">
                   <a:solidFill>
                     <a:srgbClr val="000000"/>
                   </a:solidFill>
@@ -1725,7 +1810,7 @@
             </a:ln>
             <a:extLst>
               <a:ext uri="{91240B29-F687-4f45-9708-019B960494DF}">
-                <a14:hiddenLine xmlns="" xmlns:a14="http://schemas.microsoft.com/office/drawing/2010/main" w="9525">
+                <a14:hiddenLine xmlns:a14="http://schemas.microsoft.com/office/drawing/2010/main" xmlns="" w="9525">
                   <a:solidFill>
                     <a:srgbClr val="000000"/>
                   </a:solidFill>
@@ -1759,7 +1844,7 @@
             </a:ln>
             <a:extLst>
               <a:ext uri="{91240B29-F687-4f45-9708-019B960494DF}">
-                <a14:hiddenLine xmlns="" xmlns:a14="http://schemas.microsoft.com/office/drawing/2010/main" w="9525">
+                <a14:hiddenLine xmlns:a14="http://schemas.microsoft.com/office/drawing/2010/main" xmlns="" w="9525">
                   <a:solidFill>
                     <a:srgbClr val="000000"/>
                   </a:solidFill>
@@ -1849,7 +1934,7 @@
             </a:ln>
             <a:extLst>
               <a:ext uri="{91240B29-F687-4f45-9708-019B960494DF}">
-                <a14:hiddenLine xmlns="" xmlns:a14="http://schemas.microsoft.com/office/drawing/2010/main" w="9525">
+                <a14:hiddenLine xmlns:a14="http://schemas.microsoft.com/office/drawing/2010/main" xmlns="" w="9525">
                   <a:solidFill>
                     <a:srgbClr val="000000"/>
                   </a:solidFill>
@@ -1911,7 +1996,7 @@
             </a:ln>
             <a:extLst>
               <a:ext uri="{91240B29-F687-4f45-9708-019B960494DF}">
-                <a14:hiddenLine xmlns="" xmlns:a14="http://schemas.microsoft.com/office/drawing/2010/main" w="9525">
+                <a14:hiddenLine xmlns:a14="http://schemas.microsoft.com/office/drawing/2010/main" xmlns="" w="9525">
                   <a:solidFill>
                     <a:srgbClr val="000000"/>
                   </a:solidFill>
@@ -1973,7 +2058,7 @@
             </a:ln>
             <a:extLst>
               <a:ext uri="{91240B29-F687-4f45-9708-019B960494DF}">
-                <a14:hiddenLine xmlns="" xmlns:a14="http://schemas.microsoft.com/office/drawing/2010/main" w="9525">
+                <a14:hiddenLine xmlns:a14="http://schemas.microsoft.com/office/drawing/2010/main" xmlns="" w="9525">
                   <a:solidFill>
                     <a:srgbClr val="000000"/>
                   </a:solidFill>
@@ -2063,7 +2148,7 @@
             </a:ln>
             <a:extLst>
               <a:ext uri="{91240B29-F687-4f45-9708-019B960494DF}">
-                <a14:hiddenLine xmlns="" xmlns:a14="http://schemas.microsoft.com/office/drawing/2010/main" w="9525">
+                <a14:hiddenLine xmlns:a14="http://schemas.microsoft.com/office/drawing/2010/main" xmlns="" w="9525">
                   <a:solidFill>
                     <a:srgbClr val="000000"/>
                   </a:solidFill>
@@ -2125,7 +2210,7 @@
             </a:ln>
             <a:extLst>
               <a:ext uri="{91240B29-F687-4f45-9708-019B960494DF}">
-                <a14:hiddenLine xmlns="" xmlns:a14="http://schemas.microsoft.com/office/drawing/2010/main" w="9525">
+                <a14:hiddenLine xmlns:a14="http://schemas.microsoft.com/office/drawing/2010/main" xmlns="" w="9525">
                   <a:solidFill>
                     <a:srgbClr val="000000"/>
                   </a:solidFill>
@@ -2187,7 +2272,7 @@
             </a:ln>
             <a:extLst>
               <a:ext uri="{91240B29-F687-4f45-9708-019B960494DF}">
-                <a14:hiddenLine xmlns="" xmlns:a14="http://schemas.microsoft.com/office/drawing/2010/main" w="9525">
+                <a14:hiddenLine xmlns:a14="http://schemas.microsoft.com/office/drawing/2010/main" xmlns="" w="9525">
                   <a:solidFill>
                     <a:srgbClr val="000000"/>
                   </a:solidFill>
@@ -2277,7 +2362,7 @@
             </a:ln>
             <a:extLst>
               <a:ext uri="{91240B29-F687-4f45-9708-019B960494DF}">
-                <a14:hiddenLine xmlns="" xmlns:a14="http://schemas.microsoft.com/office/drawing/2010/main" w="9525">
+                <a14:hiddenLine xmlns:a14="http://schemas.microsoft.com/office/drawing/2010/main" xmlns="" w="9525">
                   <a:solidFill>
                     <a:srgbClr val="000000"/>
                   </a:solidFill>
@@ -2367,7 +2452,7 @@
             </a:ln>
             <a:extLst>
               <a:ext uri="{91240B29-F687-4f45-9708-019B960494DF}">
-                <a14:hiddenLine xmlns="" xmlns:a14="http://schemas.microsoft.com/office/drawing/2010/main" w="9525">
+                <a14:hiddenLine xmlns:a14="http://schemas.microsoft.com/office/drawing/2010/main" xmlns="" w="9525">
                   <a:solidFill>
                     <a:srgbClr val="000000"/>
                   </a:solidFill>
@@ -2429,7 +2514,7 @@
             </a:ln>
             <a:extLst>
               <a:ext uri="{91240B29-F687-4f45-9708-019B960494DF}">
-                <a14:hiddenLine xmlns="" xmlns:a14="http://schemas.microsoft.com/office/drawing/2010/main" w="9525">
+                <a14:hiddenLine xmlns:a14="http://schemas.microsoft.com/office/drawing/2010/main" xmlns="" w="9525">
                   <a:solidFill>
                     <a:srgbClr val="000000"/>
                   </a:solidFill>
@@ -2539,7 +2624,7 @@
             </a:ln>
             <a:extLst>
               <a:ext uri="{91240B29-F687-4f45-9708-019B960494DF}">
-                <a14:hiddenLine xmlns="" xmlns:a14="http://schemas.microsoft.com/office/drawing/2010/main" w="9525">
+                <a14:hiddenLine xmlns:a14="http://schemas.microsoft.com/office/drawing/2010/main" xmlns="" w="9525">
                   <a:solidFill>
                     <a:srgbClr val="000000"/>
                   </a:solidFill>
@@ -2601,7 +2686,7 @@
             </a:ln>
             <a:extLst>
               <a:ext uri="{91240B29-F687-4f45-9708-019B960494DF}">
-                <a14:hiddenLine xmlns="" xmlns:a14="http://schemas.microsoft.com/office/drawing/2010/main" w="9525">
+                <a14:hiddenLine xmlns:a14="http://schemas.microsoft.com/office/drawing/2010/main" xmlns="" w="9525">
                   <a:solidFill>
                     <a:srgbClr val="000000"/>
                   </a:solidFill>
@@ -2691,7 +2776,7 @@
             </a:ln>
             <a:extLst>
               <a:ext uri="{91240B29-F687-4f45-9708-019B960494DF}">
-                <a14:hiddenLine xmlns="" xmlns:a14="http://schemas.microsoft.com/office/drawing/2010/main" w="9525">
+                <a14:hiddenLine xmlns:a14="http://schemas.microsoft.com/office/drawing/2010/main" xmlns="" w="9525">
                   <a:solidFill>
                     <a:srgbClr val="000000"/>
                   </a:solidFill>
@@ -2781,7 +2866,7 @@
             </a:ln>
             <a:extLst>
               <a:ext uri="{91240B29-F687-4f45-9708-019B960494DF}">
-                <a14:hiddenLine xmlns="" xmlns:a14="http://schemas.microsoft.com/office/drawing/2010/main" w="9525">
+                <a14:hiddenLine xmlns:a14="http://schemas.microsoft.com/office/drawing/2010/main" xmlns="" w="9525">
                   <a:solidFill>
                     <a:srgbClr val="000000"/>
                   </a:solidFill>
@@ -2843,7 +2928,7 @@
             </a:ln>
             <a:extLst>
               <a:ext uri="{91240B29-F687-4f45-9708-019B960494DF}">
-                <a14:hiddenLine xmlns="" xmlns:a14="http://schemas.microsoft.com/office/drawing/2010/main" w="9525">
+                <a14:hiddenLine xmlns:a14="http://schemas.microsoft.com/office/drawing/2010/main" xmlns="" w="9525">
                   <a:solidFill>
                     <a:srgbClr val="000000"/>
                   </a:solidFill>
@@ -2933,7 +3018,7 @@
             </a:ln>
             <a:extLst>
               <a:ext uri="{91240B29-F687-4f45-9708-019B960494DF}">
-                <a14:hiddenLine xmlns="" xmlns:a14="http://schemas.microsoft.com/office/drawing/2010/main" w="9525">
+                <a14:hiddenLine xmlns:a14="http://schemas.microsoft.com/office/drawing/2010/main" xmlns="" w="9525">
                   <a:solidFill>
                     <a:srgbClr val="000000"/>
                   </a:solidFill>
@@ -3023,7 +3108,7 @@
             </a:ln>
             <a:extLst>
               <a:ext uri="{91240B29-F687-4f45-9708-019B960494DF}">
-                <a14:hiddenLine xmlns="" xmlns:a14="http://schemas.microsoft.com/office/drawing/2010/main" w="9525">
+                <a14:hiddenLine xmlns:a14="http://schemas.microsoft.com/office/drawing/2010/main" xmlns="" w="9525">
                   <a:solidFill>
                     <a:srgbClr val="000000"/>
                   </a:solidFill>
@@ -3079,7 +3164,7 @@
             </a:ln>
             <a:extLst>
               <a:ext uri="{91240B29-F687-4f45-9708-019B960494DF}">
-                <a14:hiddenLine xmlns="" xmlns:a14="http://schemas.microsoft.com/office/drawing/2010/main" w="9525">
+                <a14:hiddenLine xmlns:a14="http://schemas.microsoft.com/office/drawing/2010/main" xmlns="" w="9525">
                   <a:solidFill>
                     <a:srgbClr val="000000"/>
                   </a:solidFill>
@@ -3169,7 +3254,7 @@
             </a:ln>
             <a:extLst>
               <a:ext uri="{91240B29-F687-4f45-9708-019B960494DF}">
-                <a14:hiddenLine xmlns="" xmlns:a14="http://schemas.microsoft.com/office/drawing/2010/main" w="9525">
+                <a14:hiddenLine xmlns:a14="http://schemas.microsoft.com/office/drawing/2010/main" xmlns="" w="9525">
                   <a:solidFill>
                     <a:srgbClr val="000000"/>
                   </a:solidFill>
@@ -3225,7 +3310,7 @@
             </a:ln>
             <a:extLst>
               <a:ext uri="{91240B29-F687-4f45-9708-019B960494DF}">
-                <a14:hiddenLine xmlns="" xmlns:a14="http://schemas.microsoft.com/office/drawing/2010/main" w="9525">
+                <a14:hiddenLine xmlns:a14="http://schemas.microsoft.com/office/drawing/2010/main" xmlns="" w="9525">
                   <a:solidFill>
                     <a:srgbClr val="000000"/>
                   </a:solidFill>
@@ -3315,7 +3400,7 @@
             </a:ln>
             <a:extLst>
               <a:ext uri="{91240B29-F687-4f45-9708-019B960494DF}">
-                <a14:hiddenLine xmlns="" xmlns:a14="http://schemas.microsoft.com/office/drawing/2010/main" w="9525">
+                <a14:hiddenLine xmlns:a14="http://schemas.microsoft.com/office/drawing/2010/main" xmlns="" w="9525">
                   <a:solidFill>
                     <a:srgbClr val="000000"/>
                   </a:solidFill>
@@ -3383,7 +3468,7 @@
             </a:ln>
             <a:extLst>
               <a:ext uri="{91240B29-F687-4f45-9708-019B960494DF}">
-                <a14:hiddenLine xmlns="" xmlns:a14="http://schemas.microsoft.com/office/drawing/2010/main" w="9525">
+                <a14:hiddenLine xmlns:a14="http://schemas.microsoft.com/office/drawing/2010/main" xmlns="" w="9525">
                   <a:solidFill>
                     <a:srgbClr val="000000"/>
                   </a:solidFill>
@@ -3473,7 +3558,7 @@
             </a:ln>
             <a:extLst>
               <a:ext uri="{91240B29-F687-4f45-9708-019B960494DF}">
-                <a14:hiddenLine xmlns="" xmlns:a14="http://schemas.microsoft.com/office/drawing/2010/main" w="9525">
+                <a14:hiddenLine xmlns:a14="http://schemas.microsoft.com/office/drawing/2010/main" xmlns="" w="9525">
                   <a:solidFill>
                     <a:srgbClr val="000000"/>
                   </a:solidFill>
@@ -3541,7 +3626,7 @@
             </a:ln>
             <a:extLst>
               <a:ext uri="{91240B29-F687-4f45-9708-019B960494DF}">
-                <a14:hiddenLine xmlns="" xmlns:a14="http://schemas.microsoft.com/office/drawing/2010/main" w="9525">
+                <a14:hiddenLine xmlns:a14="http://schemas.microsoft.com/office/drawing/2010/main" xmlns="" w="9525">
                   <a:solidFill>
                     <a:srgbClr val="000000"/>
                   </a:solidFill>
@@ -3631,7 +3716,7 @@
             </a:ln>
             <a:extLst>
               <a:ext uri="{91240B29-F687-4f45-9708-019B960494DF}">
-                <a14:hiddenLine xmlns="" xmlns:a14="http://schemas.microsoft.com/office/drawing/2010/main" w="9525">
+                <a14:hiddenLine xmlns:a14="http://schemas.microsoft.com/office/drawing/2010/main" xmlns="" w="9525">
                   <a:solidFill>
                     <a:srgbClr val="000000"/>
                   </a:solidFill>
@@ -3665,7 +3750,7 @@
             </a:ln>
             <a:extLst>
               <a:ext uri="{91240B29-F687-4f45-9708-019B960494DF}">
-                <a14:hiddenLine xmlns="" xmlns:a14="http://schemas.microsoft.com/office/drawing/2010/main" w="9525">
+                <a14:hiddenLine xmlns:a14="http://schemas.microsoft.com/office/drawing/2010/main" xmlns="" w="9525">
                   <a:solidFill>
                     <a:srgbClr val="000000"/>
                   </a:solidFill>
@@ -3755,7 +3840,7 @@
             </a:ln>
             <a:extLst>
               <a:ext uri="{91240B29-F687-4f45-9708-019B960494DF}">
-                <a14:hiddenLine xmlns="" xmlns:a14="http://schemas.microsoft.com/office/drawing/2010/main" w="9525">
+                <a14:hiddenLine xmlns:a14="http://schemas.microsoft.com/office/drawing/2010/main" xmlns="" w="9525">
                   <a:solidFill>
                     <a:srgbClr val="000000"/>
                   </a:solidFill>
@@ -3817,7 +3902,7 @@
             </a:ln>
             <a:extLst>
               <a:ext uri="{91240B29-F687-4f45-9708-019B960494DF}">
-                <a14:hiddenLine xmlns="" xmlns:a14="http://schemas.microsoft.com/office/drawing/2010/main" w="9525">
+                <a14:hiddenLine xmlns:a14="http://schemas.microsoft.com/office/drawing/2010/main" xmlns="" w="9525">
                   <a:solidFill>
                     <a:srgbClr val="000000"/>
                   </a:solidFill>
@@ -3879,7 +3964,7 @@
             </a:ln>
             <a:extLst>
               <a:ext uri="{91240B29-F687-4f45-9708-019B960494DF}">
-                <a14:hiddenLine xmlns="" xmlns:a14="http://schemas.microsoft.com/office/drawing/2010/main" w="9525">
+                <a14:hiddenLine xmlns:a14="http://schemas.microsoft.com/office/drawing/2010/main" xmlns="" w="9525">
                   <a:solidFill>
                     <a:srgbClr val="000000"/>
                   </a:solidFill>
@@ -3969,7 +4054,7 @@
             </a:ln>
             <a:extLst>
               <a:ext uri="{91240B29-F687-4f45-9708-019B960494DF}">
-                <a14:hiddenLine xmlns="" xmlns:a14="http://schemas.microsoft.com/office/drawing/2010/main" w="9525">
+                <a14:hiddenLine xmlns:a14="http://schemas.microsoft.com/office/drawing/2010/main" xmlns="" w="9525">
                   <a:solidFill>
                     <a:srgbClr val="000000"/>
                   </a:solidFill>
@@ -4037,7 +4122,7 @@
             </a:ln>
             <a:extLst>
               <a:ext uri="{91240B29-F687-4f45-9708-019B960494DF}">
-                <a14:hiddenLine xmlns="" xmlns:a14="http://schemas.microsoft.com/office/drawing/2010/main" w="9525">
+                <a14:hiddenLine xmlns:a14="http://schemas.microsoft.com/office/drawing/2010/main" xmlns="" w="9525">
                   <a:solidFill>
                     <a:srgbClr val="000000"/>
                   </a:solidFill>
@@ -4099,7 +4184,7 @@
             </a:ln>
             <a:extLst>
               <a:ext uri="{91240B29-F687-4f45-9708-019B960494DF}">
-                <a14:hiddenLine xmlns="" xmlns:a14="http://schemas.microsoft.com/office/drawing/2010/main" w="9525">
+                <a14:hiddenLine xmlns:a14="http://schemas.microsoft.com/office/drawing/2010/main" xmlns="" w="9525">
                   <a:solidFill>
                     <a:srgbClr val="000000"/>
                   </a:solidFill>
@@ -4189,7 +4274,7 @@
             </a:ln>
             <a:extLst>
               <a:ext uri="{91240B29-F687-4f45-9708-019B960494DF}">
-                <a14:hiddenLine xmlns="" xmlns:a14="http://schemas.microsoft.com/office/drawing/2010/main" w="9525">
+                <a14:hiddenLine xmlns:a14="http://schemas.microsoft.com/office/drawing/2010/main" xmlns="" w="9525">
                   <a:solidFill>
                     <a:srgbClr val="000000"/>
                   </a:solidFill>
@@ -4251,7 +4336,7 @@
             </a:ln>
             <a:extLst>
               <a:ext uri="{91240B29-F687-4f45-9708-019B960494DF}">
-                <a14:hiddenLine xmlns="" xmlns:a14="http://schemas.microsoft.com/office/drawing/2010/main" w="9525">
+                <a14:hiddenLine xmlns:a14="http://schemas.microsoft.com/office/drawing/2010/main" xmlns="" w="9525">
                   <a:solidFill>
                     <a:srgbClr val="000000"/>
                   </a:solidFill>
@@ -4341,7 +4426,7 @@
             </a:ln>
             <a:extLst>
               <a:ext uri="{91240B29-F687-4f45-9708-019B960494DF}">
-                <a14:hiddenLine xmlns="" xmlns:a14="http://schemas.microsoft.com/office/drawing/2010/main" w="9525">
+                <a14:hiddenLine xmlns:a14="http://schemas.microsoft.com/office/drawing/2010/main" xmlns="" w="9525">
                   <a:solidFill>
                     <a:srgbClr val="000000"/>
                   </a:solidFill>
@@ -4403,7 +4488,7 @@
             </a:ln>
             <a:extLst>
               <a:ext uri="{91240B29-F687-4f45-9708-019B960494DF}">
-                <a14:hiddenLine xmlns="" xmlns:a14="http://schemas.microsoft.com/office/drawing/2010/main" w="9525">
+                <a14:hiddenLine xmlns:a14="http://schemas.microsoft.com/office/drawing/2010/main" xmlns="" w="9525">
                   <a:solidFill>
                     <a:srgbClr val="000000"/>
                   </a:solidFill>
@@ -4493,7 +4578,7 @@
             </a:ln>
             <a:extLst>
               <a:ext uri="{91240B29-F687-4f45-9708-019B960494DF}">
-                <a14:hiddenLine xmlns="" xmlns:a14="http://schemas.microsoft.com/office/drawing/2010/main" w="9525">
+                <a14:hiddenLine xmlns:a14="http://schemas.microsoft.com/office/drawing/2010/main" xmlns="" w="9525">
                   <a:solidFill>
                     <a:srgbClr val="000000"/>
                   </a:solidFill>
@@ -4527,7 +4612,7 @@
             </a:ln>
             <a:extLst>
               <a:ext uri="{91240B29-F687-4f45-9708-019B960494DF}">
-                <a14:hiddenLine xmlns="" xmlns:a14="http://schemas.microsoft.com/office/drawing/2010/main" w="9525">
+                <a14:hiddenLine xmlns:a14="http://schemas.microsoft.com/office/drawing/2010/main" xmlns="" w="9525">
                   <a:solidFill>
                     <a:srgbClr val="000000"/>
                   </a:solidFill>
@@ -4592,7 +4677,7 @@
             </a:ln>
             <a:extLst>
               <a:ext uri="{91240B29-F687-4f45-9708-019B960494DF}">
-                <a14:hiddenLine xmlns="" xmlns:a14="http://schemas.microsoft.com/office/drawing/2010/main" w="9525">
+                <a14:hiddenLine xmlns:a14="http://schemas.microsoft.com/office/drawing/2010/main" xmlns="" w="9525">
                   <a:solidFill>
                     <a:srgbClr val="000000"/>
                   </a:solidFill>
@@ -4682,7 +4767,7 @@
             </a:ln>
             <a:extLst>
               <a:ext uri="{91240B29-F687-4f45-9708-019B960494DF}">
-                <a14:hiddenLine xmlns="" xmlns:a14="http://schemas.microsoft.com/office/drawing/2010/main" w="9525">
+                <a14:hiddenLine xmlns:a14="http://schemas.microsoft.com/office/drawing/2010/main" xmlns="" w="9525">
                   <a:solidFill>
                     <a:srgbClr val="000000"/>
                   </a:solidFill>
@@ -4744,7 +4829,7 @@
             </a:ln>
             <a:extLst>
               <a:ext uri="{91240B29-F687-4f45-9708-019B960494DF}">
-                <a14:hiddenLine xmlns="" xmlns:a14="http://schemas.microsoft.com/office/drawing/2010/main" w="9525">
+                <a14:hiddenLine xmlns:a14="http://schemas.microsoft.com/office/drawing/2010/main" xmlns="" w="9525">
                   <a:solidFill>
                     <a:srgbClr val="000000"/>
                   </a:solidFill>
@@ -4834,7 +4919,7 @@
             </a:ln>
             <a:extLst>
               <a:ext uri="{91240B29-F687-4f45-9708-019B960494DF}">
-                <a14:hiddenLine xmlns="" xmlns:a14="http://schemas.microsoft.com/office/drawing/2010/main" w="9525">
+                <a14:hiddenLine xmlns:a14="http://schemas.microsoft.com/office/drawing/2010/main" xmlns="" w="9525">
                   <a:solidFill>
                     <a:srgbClr val="000000"/>
                   </a:solidFill>
@@ -4924,7 +5009,7 @@
             </a:ln>
             <a:extLst>
               <a:ext uri="{91240B29-F687-4f45-9708-019B960494DF}">
-                <a14:hiddenLine xmlns="" xmlns:a14="http://schemas.microsoft.com/office/drawing/2010/main" w="9525">
+                <a14:hiddenLine xmlns:a14="http://schemas.microsoft.com/office/drawing/2010/main" xmlns="" w="9525">
                   <a:solidFill>
                     <a:srgbClr val="000000"/>
                   </a:solidFill>
@@ -4989,7 +5074,7 @@
             </a:ln>
             <a:extLst>
               <a:ext uri="{91240B29-F687-4f45-9708-019B960494DF}">
-                <a14:hiddenLine xmlns="" xmlns:a14="http://schemas.microsoft.com/office/drawing/2010/main" w="9525">
+                <a14:hiddenLine xmlns:a14="http://schemas.microsoft.com/office/drawing/2010/main" xmlns="" w="9525">
                   <a:solidFill>
                     <a:srgbClr val="000000"/>
                   </a:solidFill>
@@ -5051,7 +5136,7 @@
             </a:ln>
             <a:extLst>
               <a:ext uri="{91240B29-F687-4f45-9708-019B960494DF}">
-                <a14:hiddenLine xmlns="" xmlns:a14="http://schemas.microsoft.com/office/drawing/2010/main" w="9525">
+                <a14:hiddenLine xmlns:a14="http://schemas.microsoft.com/office/drawing/2010/main" xmlns="" w="9525">
                   <a:solidFill>
                     <a:srgbClr val="000000"/>
                   </a:solidFill>
@@ -5141,7 +5226,7 @@
             </a:ln>
             <a:extLst>
               <a:ext uri="{91240B29-F687-4f45-9708-019B960494DF}">
-                <a14:hiddenLine xmlns="" xmlns:a14="http://schemas.microsoft.com/office/drawing/2010/main" w="9525">
+                <a14:hiddenLine xmlns:a14="http://schemas.microsoft.com/office/drawing/2010/main" xmlns="" w="9525">
                   <a:solidFill>
                     <a:srgbClr val="000000"/>
                   </a:solidFill>
@@ -5231,7 +5316,7 @@
             </a:ln>
             <a:extLst>
               <a:ext uri="{91240B29-F687-4f45-9708-019B960494DF}">
-                <a14:hiddenLine xmlns="" xmlns:a14="http://schemas.microsoft.com/office/drawing/2010/main" w="9525">
+                <a14:hiddenLine xmlns:a14="http://schemas.microsoft.com/office/drawing/2010/main" xmlns="" w="9525">
                   <a:solidFill>
                     <a:srgbClr val="000000"/>
                   </a:solidFill>
@@ -5293,7 +5378,7 @@
             </a:ln>
             <a:extLst>
               <a:ext uri="{91240B29-F687-4f45-9708-019B960494DF}">
-                <a14:hiddenLine xmlns="" xmlns:a14="http://schemas.microsoft.com/office/drawing/2010/main" w="9525">
+                <a14:hiddenLine xmlns:a14="http://schemas.microsoft.com/office/drawing/2010/main" xmlns="" w="9525">
                   <a:solidFill>
                     <a:srgbClr val="000000"/>
                   </a:solidFill>
@@ -5413,7 +5498,7 @@
             </a:ln>
             <a:extLst>
               <a:ext uri="{91240B29-F687-4f45-9708-019B960494DF}">
-                <a14:hiddenLine xmlns="" xmlns:a14="http://schemas.microsoft.com/office/drawing/2010/main" w="9525">
+                <a14:hiddenLine xmlns:a14="http://schemas.microsoft.com/office/drawing/2010/main" xmlns="" w="9525">
                   <a:solidFill>
                     <a:srgbClr val="000000"/>
                   </a:solidFill>
@@ -5481,7 +5566,7 @@
             </a:ln>
             <a:extLst>
               <a:ext uri="{91240B29-F687-4f45-9708-019B960494DF}">
-                <a14:hiddenLine xmlns="" xmlns:a14="http://schemas.microsoft.com/office/drawing/2010/main" w="9525">
+                <a14:hiddenLine xmlns:a14="http://schemas.microsoft.com/office/drawing/2010/main" xmlns="" w="9525">
                   <a:solidFill>
                     <a:srgbClr val="000000"/>
                   </a:solidFill>
@@ -5571,7 +5656,7 @@
             </a:ln>
             <a:extLst>
               <a:ext uri="{91240B29-F687-4f45-9708-019B960494DF}">
-                <a14:hiddenLine xmlns="" xmlns:a14="http://schemas.microsoft.com/office/drawing/2010/main" w="9525">
+                <a14:hiddenLine xmlns:a14="http://schemas.microsoft.com/office/drawing/2010/main" xmlns="" w="9525">
                   <a:solidFill>
                     <a:srgbClr val="000000"/>
                   </a:solidFill>
@@ -10424,7 +10509,7 @@
           <a:noFill/>
           <a:extLst>
             <a:ext uri="{909E8E84-426E-40dd-AFC4-6F175D3DCCD1}">
-              <a14:hiddenFill xmlns="" xmlns:a14="http://schemas.microsoft.com/office/drawing/2010/main">
+              <a14:hiddenFill xmlns:a14="http://schemas.microsoft.com/office/drawing/2010/main" xmlns="">
                 <a:solidFill>
                   <a:srgbClr val="FFFFFF"/>
                 </a:solidFill>
@@ -10498,7 +10583,7 @@
               </a:ln>
               <a:extLst>
                 <a:ext uri="{91240B29-F687-4f45-9708-019B960494DF}">
-                  <a14:hiddenLine xmlns="" xmlns:a14="http://schemas.microsoft.com/office/drawing/2010/main" w="9525">
+                  <a14:hiddenLine xmlns:a14="http://schemas.microsoft.com/office/drawing/2010/main" xmlns="" w="9525">
                     <a:solidFill>
                       <a:srgbClr val="000000"/>
                     </a:solidFill>
@@ -10588,7 +10673,7 @@
               </a:ln>
               <a:extLst>
                 <a:ext uri="{91240B29-F687-4f45-9708-019B960494DF}">
-                  <a14:hiddenLine xmlns="" xmlns:a14="http://schemas.microsoft.com/office/drawing/2010/main" w="9525">
+                  <a14:hiddenLine xmlns:a14="http://schemas.microsoft.com/office/drawing/2010/main" xmlns="" w="9525">
                     <a:solidFill>
                       <a:srgbClr val="000000"/>
                     </a:solidFill>
@@ -10678,7 +10763,7 @@
               </a:ln>
               <a:extLst>
                 <a:ext uri="{91240B29-F687-4f45-9708-019B960494DF}">
-                  <a14:hiddenLine xmlns="" xmlns:a14="http://schemas.microsoft.com/office/drawing/2010/main" w="9525">
+                  <a14:hiddenLine xmlns:a14="http://schemas.microsoft.com/office/drawing/2010/main" xmlns="" w="9525">
                     <a:solidFill>
                       <a:srgbClr val="000000"/>
                     </a:solidFill>
@@ -10740,7 +10825,7 @@
               </a:ln>
               <a:extLst>
                 <a:ext uri="{91240B29-F687-4f45-9708-019B960494DF}">
-                  <a14:hiddenLine xmlns="" xmlns:a14="http://schemas.microsoft.com/office/drawing/2010/main" w="9525">
+                  <a14:hiddenLine xmlns:a14="http://schemas.microsoft.com/office/drawing/2010/main" xmlns="" w="9525">
                     <a:solidFill>
                       <a:srgbClr val="000000"/>
                     </a:solidFill>
@@ -10830,7 +10915,7 @@
               </a:ln>
               <a:extLst>
                 <a:ext uri="{91240B29-F687-4f45-9708-019B960494DF}">
-                  <a14:hiddenLine xmlns="" xmlns:a14="http://schemas.microsoft.com/office/drawing/2010/main" w="9525">
+                  <a14:hiddenLine xmlns:a14="http://schemas.microsoft.com/office/drawing/2010/main" xmlns="" w="9525">
                     <a:solidFill>
                       <a:srgbClr val="000000"/>
                     </a:solidFill>
@@ -10892,7 +10977,7 @@
               </a:ln>
               <a:extLst>
                 <a:ext uri="{91240B29-F687-4f45-9708-019B960494DF}">
-                  <a14:hiddenLine xmlns="" xmlns:a14="http://schemas.microsoft.com/office/drawing/2010/main" w="9525">
+                  <a14:hiddenLine xmlns:a14="http://schemas.microsoft.com/office/drawing/2010/main" xmlns="" w="9525">
                     <a:solidFill>
                       <a:srgbClr val="000000"/>
                     </a:solidFill>
@@ -10954,7 +11039,7 @@
               </a:ln>
               <a:extLst>
                 <a:ext uri="{91240B29-F687-4f45-9708-019B960494DF}">
-                  <a14:hiddenLine xmlns="" xmlns:a14="http://schemas.microsoft.com/office/drawing/2010/main" w="9525">
+                  <a14:hiddenLine xmlns:a14="http://schemas.microsoft.com/office/drawing/2010/main" xmlns="" w="9525">
                     <a:solidFill>
                       <a:srgbClr val="000000"/>
                     </a:solidFill>
@@ -11044,7 +11129,7 @@
               </a:ln>
               <a:extLst>
                 <a:ext uri="{91240B29-F687-4f45-9708-019B960494DF}">
-                  <a14:hiddenLine xmlns="" xmlns:a14="http://schemas.microsoft.com/office/drawing/2010/main" w="9525">
+                  <a14:hiddenLine xmlns:a14="http://schemas.microsoft.com/office/drawing/2010/main" xmlns="" w="9525">
                     <a:solidFill>
                       <a:srgbClr val="000000"/>
                     </a:solidFill>
@@ -11134,7 +11219,7 @@
               </a:ln>
               <a:extLst>
                 <a:ext uri="{91240B29-F687-4f45-9708-019B960494DF}">
-                  <a14:hiddenLine xmlns="" xmlns:a14="http://schemas.microsoft.com/office/drawing/2010/main" w="9525">
+                  <a14:hiddenLine xmlns:a14="http://schemas.microsoft.com/office/drawing/2010/main" xmlns="" w="9525">
                     <a:solidFill>
                       <a:srgbClr val="000000"/>
                     </a:solidFill>
@@ -11196,7 +11281,7 @@
               </a:ln>
               <a:extLst>
                 <a:ext uri="{91240B29-F687-4f45-9708-019B960494DF}">
-                  <a14:hiddenLine xmlns="" xmlns:a14="http://schemas.microsoft.com/office/drawing/2010/main" w="9525">
+                  <a14:hiddenLine xmlns:a14="http://schemas.microsoft.com/office/drawing/2010/main" xmlns="" w="9525">
                     <a:solidFill>
                       <a:srgbClr val="000000"/>
                     </a:solidFill>
@@ -11306,7 +11391,7 @@
               </a:ln>
               <a:extLst>
                 <a:ext uri="{91240B29-F687-4f45-9708-019B960494DF}">
-                  <a14:hiddenLine xmlns="" xmlns:a14="http://schemas.microsoft.com/office/drawing/2010/main" w="9525">
+                  <a14:hiddenLine xmlns:a14="http://schemas.microsoft.com/office/drawing/2010/main" xmlns="" w="9525">
                     <a:solidFill>
                       <a:srgbClr val="000000"/>
                     </a:solidFill>
@@ -11390,7 +11475,7 @@
               </a:ln>
               <a:extLst>
                 <a:ext uri="{91240B29-F687-4f45-9708-019B960494DF}">
-                  <a14:hiddenLine xmlns="" xmlns:a14="http://schemas.microsoft.com/office/drawing/2010/main" w="9525">
+                  <a14:hiddenLine xmlns:a14="http://schemas.microsoft.com/office/drawing/2010/main" xmlns="" w="9525">
                     <a:solidFill>
                       <a:srgbClr val="000000"/>
                     </a:solidFill>
@@ -11452,7 +11537,7 @@
               </a:ln>
               <a:extLst>
                 <a:ext uri="{91240B29-F687-4f45-9708-019B960494DF}">
-                  <a14:hiddenLine xmlns="" xmlns:a14="http://schemas.microsoft.com/office/drawing/2010/main" w="9525">
+                  <a14:hiddenLine xmlns:a14="http://schemas.microsoft.com/office/drawing/2010/main" xmlns="" w="9525">
                     <a:solidFill>
                       <a:srgbClr val="000000"/>
                     </a:solidFill>
@@ -11514,7 +11599,7 @@
               </a:ln>
               <a:extLst>
                 <a:ext uri="{91240B29-F687-4f45-9708-019B960494DF}">
-                  <a14:hiddenLine xmlns="" xmlns:a14="http://schemas.microsoft.com/office/drawing/2010/main" w="9525">
+                  <a14:hiddenLine xmlns:a14="http://schemas.microsoft.com/office/drawing/2010/main" xmlns="" w="9525">
                     <a:solidFill>
                       <a:srgbClr val="000000"/>
                     </a:solidFill>
@@ -11604,7 +11689,7 @@
               </a:ln>
               <a:extLst>
                 <a:ext uri="{91240B29-F687-4f45-9708-019B960494DF}">
-                  <a14:hiddenLine xmlns="" xmlns:a14="http://schemas.microsoft.com/office/drawing/2010/main" w="9525">
+                  <a14:hiddenLine xmlns:a14="http://schemas.microsoft.com/office/drawing/2010/main" xmlns="" w="9525">
                     <a:solidFill>
                       <a:srgbClr val="000000"/>
                     </a:solidFill>
@@ -11638,7 +11723,7 @@
               </a:ln>
               <a:extLst>
                 <a:ext uri="{91240B29-F687-4f45-9708-019B960494DF}">
-                  <a14:hiddenLine xmlns="" xmlns:a14="http://schemas.microsoft.com/office/drawing/2010/main" w="9525">
+                  <a14:hiddenLine xmlns:a14="http://schemas.microsoft.com/office/drawing/2010/main" xmlns="" w="9525">
                     <a:solidFill>
                       <a:srgbClr val="000000"/>
                     </a:solidFill>
@@ -11703,7 +11788,7 @@
               </a:ln>
               <a:extLst>
                 <a:ext uri="{91240B29-F687-4f45-9708-019B960494DF}">
-                  <a14:hiddenLine xmlns="" xmlns:a14="http://schemas.microsoft.com/office/drawing/2010/main" w="9525">
+                  <a14:hiddenLine xmlns:a14="http://schemas.microsoft.com/office/drawing/2010/main" xmlns="" w="9525">
                     <a:solidFill>
                       <a:srgbClr val="000000"/>
                     </a:solidFill>
@@ -11793,7 +11878,7 @@
               </a:ln>
               <a:extLst>
                 <a:ext uri="{91240B29-F687-4f45-9708-019B960494DF}">
-                  <a14:hiddenLine xmlns="" xmlns:a14="http://schemas.microsoft.com/office/drawing/2010/main" w="9525">
+                  <a14:hiddenLine xmlns:a14="http://schemas.microsoft.com/office/drawing/2010/main" xmlns="" w="9525">
                     <a:solidFill>
                       <a:srgbClr val="000000"/>
                     </a:solidFill>
@@ -11855,7 +11940,7 @@
               </a:ln>
               <a:extLst>
                 <a:ext uri="{91240B29-F687-4f45-9708-019B960494DF}">
-                  <a14:hiddenLine xmlns="" xmlns:a14="http://schemas.microsoft.com/office/drawing/2010/main" w="9525">
+                  <a14:hiddenLine xmlns:a14="http://schemas.microsoft.com/office/drawing/2010/main" xmlns="" w="9525">
                     <a:solidFill>
                       <a:srgbClr val="000000"/>
                     </a:solidFill>
@@ -11945,7 +12030,7 @@
               </a:ln>
               <a:extLst>
                 <a:ext uri="{91240B29-F687-4f45-9708-019B960494DF}">
-                  <a14:hiddenLine xmlns="" xmlns:a14="http://schemas.microsoft.com/office/drawing/2010/main" w="9525">
+                  <a14:hiddenLine xmlns:a14="http://schemas.microsoft.com/office/drawing/2010/main" xmlns="" w="9525">
                     <a:solidFill>
                       <a:srgbClr val="000000"/>
                     </a:solidFill>
@@ -12010,7 +12095,7 @@
               </a:ln>
               <a:extLst>
                 <a:ext uri="{91240B29-F687-4f45-9708-019B960494DF}">
-                  <a14:hiddenLine xmlns="" xmlns:a14="http://schemas.microsoft.com/office/drawing/2010/main" w="9525">
+                  <a14:hiddenLine xmlns:a14="http://schemas.microsoft.com/office/drawing/2010/main" xmlns="" w="9525">
                     <a:solidFill>
                       <a:srgbClr val="000000"/>
                     </a:solidFill>
@@ -12072,7 +12157,7 @@
               </a:ln>
               <a:extLst>
                 <a:ext uri="{91240B29-F687-4f45-9708-019B960494DF}">
-                  <a14:hiddenLine xmlns="" xmlns:a14="http://schemas.microsoft.com/office/drawing/2010/main" w="9525">
+                  <a14:hiddenLine xmlns:a14="http://schemas.microsoft.com/office/drawing/2010/main" xmlns="" w="9525">
                     <a:solidFill>
                       <a:srgbClr val="000000"/>
                     </a:solidFill>
@@ -12162,7 +12247,7 @@
               </a:ln>
               <a:extLst>
                 <a:ext uri="{91240B29-F687-4f45-9708-019B960494DF}">
-                  <a14:hiddenLine xmlns="" xmlns:a14="http://schemas.microsoft.com/office/drawing/2010/main" w="9525">
+                  <a14:hiddenLine xmlns:a14="http://schemas.microsoft.com/office/drawing/2010/main" xmlns="" w="9525">
                     <a:solidFill>
                       <a:srgbClr val="000000"/>
                     </a:solidFill>
@@ -12252,7 +12337,7 @@
               </a:ln>
               <a:extLst>
                 <a:ext uri="{91240B29-F687-4f45-9708-019B960494DF}">
-                  <a14:hiddenLine xmlns="" xmlns:a14="http://schemas.microsoft.com/office/drawing/2010/main" w="9525">
+                  <a14:hiddenLine xmlns:a14="http://schemas.microsoft.com/office/drawing/2010/main" xmlns="" w="9525">
                     <a:solidFill>
                       <a:srgbClr val="000000"/>
                     </a:solidFill>
@@ -12317,7 +12402,7 @@
               </a:ln>
               <a:extLst>
                 <a:ext uri="{91240B29-F687-4f45-9708-019B960494DF}">
-                  <a14:hiddenLine xmlns="" xmlns:a14="http://schemas.microsoft.com/office/drawing/2010/main" w="9525">
+                  <a14:hiddenLine xmlns:a14="http://schemas.microsoft.com/office/drawing/2010/main" xmlns="" w="9525">
                     <a:solidFill>
                       <a:srgbClr val="000000"/>
                     </a:solidFill>
@@ -12437,7 +12522,7 @@
               </a:ln>
               <a:extLst>
                 <a:ext uri="{91240B29-F687-4f45-9708-019B960494DF}">
-                  <a14:hiddenLine xmlns="" xmlns:a14="http://schemas.microsoft.com/office/drawing/2010/main" w="9525">
+                  <a14:hiddenLine xmlns:a14="http://schemas.microsoft.com/office/drawing/2010/main" xmlns="" w="9525">
                     <a:solidFill>
                       <a:srgbClr val="000000"/>
                     </a:solidFill>
@@ -12518,7 +12603,7 @@
               </a:ln>
               <a:extLst>
                 <a:ext uri="{91240B29-F687-4f45-9708-019B960494DF}">
-                  <a14:hiddenLine xmlns="" xmlns:a14="http://schemas.microsoft.com/office/drawing/2010/main" w="9525">
+                  <a14:hiddenLine xmlns:a14="http://schemas.microsoft.com/office/drawing/2010/main" xmlns="" w="9525">
                     <a:solidFill>
                       <a:srgbClr val="000000"/>
                     </a:solidFill>
@@ -12633,7 +12718,7 @@
               </a:ln>
               <a:extLst>
                 <a:ext uri="{91240B29-F687-4f45-9708-019B960494DF}">
-                  <a14:hiddenLine xmlns="" xmlns:a14="http://schemas.microsoft.com/office/drawing/2010/main" w="9525">
+                  <a14:hiddenLine xmlns:a14="http://schemas.microsoft.com/office/drawing/2010/main" xmlns="" w="9525">
                     <a:solidFill>
                       <a:srgbClr val="000000"/>
                     </a:solidFill>
@@ -12723,7 +12808,7 @@
               </a:ln>
               <a:extLst>
                 <a:ext uri="{91240B29-F687-4f45-9708-019B960494DF}">
-                  <a14:hiddenLine xmlns="" xmlns:a14="http://schemas.microsoft.com/office/drawing/2010/main" w="9525">
+                  <a14:hiddenLine xmlns:a14="http://schemas.microsoft.com/office/drawing/2010/main" xmlns="" w="9525">
                     <a:solidFill>
                       <a:srgbClr val="000000"/>
                     </a:solidFill>
@@ -12788,7 +12873,7 @@
               </a:ln>
               <a:extLst>
                 <a:ext uri="{91240B29-F687-4f45-9708-019B960494DF}">
-                  <a14:hiddenLine xmlns="" xmlns:a14="http://schemas.microsoft.com/office/drawing/2010/main" w="9525">
+                  <a14:hiddenLine xmlns:a14="http://schemas.microsoft.com/office/drawing/2010/main" xmlns="" w="9525">
                     <a:solidFill>
                       <a:srgbClr val="000000"/>
                     </a:solidFill>
@@ -12878,7 +12963,7 @@
               </a:ln>
               <a:extLst>
                 <a:ext uri="{91240B29-F687-4f45-9708-019B960494DF}">
-                  <a14:hiddenLine xmlns="" xmlns:a14="http://schemas.microsoft.com/office/drawing/2010/main" w="9525">
+                  <a14:hiddenLine xmlns:a14="http://schemas.microsoft.com/office/drawing/2010/main" xmlns="" w="9525">
                     <a:solidFill>
                       <a:srgbClr val="000000"/>
                     </a:solidFill>
@@ -12946,7 +13031,7 @@
               </a:ln>
               <a:extLst>
                 <a:ext uri="{91240B29-F687-4f45-9708-019B960494DF}">
-                  <a14:hiddenLine xmlns="" xmlns:a14="http://schemas.microsoft.com/office/drawing/2010/main" w="9525">
+                  <a14:hiddenLine xmlns:a14="http://schemas.microsoft.com/office/drawing/2010/main" xmlns="" w="9525">
                     <a:solidFill>
                       <a:srgbClr val="000000"/>
                     </a:solidFill>
@@ -13036,7 +13121,7 @@
               </a:ln>
               <a:extLst>
                 <a:ext uri="{91240B29-F687-4f45-9708-019B960494DF}">
-                  <a14:hiddenLine xmlns="" xmlns:a14="http://schemas.microsoft.com/office/drawing/2010/main" w="9525">
+                  <a14:hiddenLine xmlns:a14="http://schemas.microsoft.com/office/drawing/2010/main" xmlns="" w="9525">
                     <a:solidFill>
                       <a:srgbClr val="000000"/>
                     </a:solidFill>
@@ -13104,7 +13189,7 @@
               </a:ln>
               <a:extLst>
                 <a:ext uri="{91240B29-F687-4f45-9708-019B960494DF}">
-                  <a14:hiddenLine xmlns="" xmlns:a14="http://schemas.microsoft.com/office/drawing/2010/main" w="9525">
+                  <a14:hiddenLine xmlns:a14="http://schemas.microsoft.com/office/drawing/2010/main" xmlns="" w="9525">
                     <a:solidFill>
                       <a:srgbClr val="000000"/>
                     </a:solidFill>
@@ -13194,7 +13279,7 @@
               </a:ln>
               <a:extLst>
                 <a:ext uri="{91240B29-F687-4f45-9708-019B960494DF}">
-                  <a14:hiddenLine xmlns="" xmlns:a14="http://schemas.microsoft.com/office/drawing/2010/main" w="9525">
+                  <a14:hiddenLine xmlns:a14="http://schemas.microsoft.com/office/drawing/2010/main" xmlns="" w="9525">
                     <a:solidFill>
                       <a:srgbClr val="000000"/>
                     </a:solidFill>
@@ -13228,7 +13313,7 @@
               </a:ln>
               <a:extLst>
                 <a:ext uri="{91240B29-F687-4f45-9708-019B960494DF}">
-                  <a14:hiddenLine xmlns="" xmlns:a14="http://schemas.microsoft.com/office/drawing/2010/main" w="9525">
+                  <a14:hiddenLine xmlns:a14="http://schemas.microsoft.com/office/drawing/2010/main" xmlns="" w="9525">
                     <a:solidFill>
                       <a:srgbClr val="000000"/>
                     </a:solidFill>
@@ -13888,6 +13973,483 @@
 </file>
 
 <file path=ppt/slides/slide10.xml><?xml version="1.0" encoding="utf-8"?>
+<p:sld xmlns:a="http://schemas.openxmlformats.org/drawingml/2006/main" xmlns:r="http://schemas.openxmlformats.org/officeDocument/2006/relationships" xmlns:p="http://schemas.openxmlformats.org/presentationml/2006/main">
+  <p:cSld>
+    <p:spTree>
+      <p:nvGrpSpPr>
+        <p:cNvPr id="1" name=""/>
+        <p:cNvGrpSpPr/>
+        <p:nvPr/>
+      </p:nvGrpSpPr>
+      <p:grpSpPr>
+        <a:xfrm>
+          <a:off x="0" y="0"/>
+          <a:ext cx="0" cy="0"/>
+          <a:chOff x="0" y="0"/>
+          <a:chExt cx="0" cy="0"/>
+        </a:xfrm>
+      </p:grpSpPr>
+      <p:sp>
+        <p:nvSpPr>
+          <p:cNvPr id="2" name="Titre 1">
+            <a:extLst>
+              <a:ext uri="{FF2B5EF4-FFF2-40B4-BE49-F238E27FC236}">
+                <a16:creationId xmlns:a16="http://schemas.microsoft.com/office/drawing/2014/main" id="{34DB6CE4-2B13-4715-B5B2-615A55922CA1}"/>
+              </a:ext>
+            </a:extLst>
+          </p:cNvPr>
+          <p:cNvSpPr>
+            <a:spLocks noGrp="1"/>
+          </p:cNvSpPr>
+          <p:nvPr>
+            <p:ph type="title"/>
+          </p:nvPr>
+        </p:nvSpPr>
+        <p:spPr>
+          <a:xfrm>
+            <a:off x="1191310" y="74963"/>
+            <a:ext cx="9905998" cy="1478570"/>
+          </a:xfrm>
+        </p:spPr>
+        <p:txBody>
+          <a:bodyPr rtlCol="0">
+            <a:normAutofit/>
+          </a:bodyPr>
+          <a:lstStyle/>
+          <a:p>
+            <a:pPr algn="ctr" rtl="0"/>
+            <a:r>
+              <a:rPr lang="fr-FR" sz="4400" dirty="0">
+                <a:latin typeface="Rockwell" panose="02060603020205020403" pitchFamily="18" charset="0"/>
+              </a:rPr>
+              <a:t>Evaluation du modèle</a:t>
+            </a:r>
+          </a:p>
+        </p:txBody>
+      </p:sp>
+      <p:sp>
+        <p:nvSpPr>
+          <p:cNvPr id="3" name="Espace réservé du contenu 2">
+            <a:extLst>
+              <a:ext uri="{FF2B5EF4-FFF2-40B4-BE49-F238E27FC236}">
+                <a16:creationId xmlns:a16="http://schemas.microsoft.com/office/drawing/2014/main" id="{143F5361-68C0-4BF5-80C8-F1E7BF92B2DB}"/>
+              </a:ext>
+            </a:extLst>
+          </p:cNvPr>
+          <p:cNvSpPr>
+            <a:spLocks noGrp="1"/>
+          </p:cNvSpPr>
+          <p:nvPr>
+            <p:ph idx="1"/>
+          </p:nvPr>
+        </p:nvSpPr>
+        <p:spPr>
+          <a:xfrm>
+            <a:off x="1244621" y="2302515"/>
+            <a:ext cx="1019505" cy="526380"/>
+          </a:xfrm>
+        </p:spPr>
+        <p:txBody>
+          <a:bodyPr vert="horz" lIns="91440" tIns="45720" rIns="91440" bIns="45720" rtlCol="0" anchor="t">
+            <a:normAutofit/>
+          </a:bodyPr>
+          <a:lstStyle/>
+          <a:p>
+            <a:pPr marL="0" lvl="0" indent="0" rtl="0">
+              <a:buNone/>
+            </a:pPr>
+            <a:r>
+              <a:rPr lang="fr-FR" dirty="0" err="1">
+                <a:latin typeface="Tahoma" panose="020B0604030504040204" pitchFamily="34" charset="0"/>
+                <a:ea typeface="Tahoma" panose="020B0604030504040204" pitchFamily="34" charset="0"/>
+                <a:cs typeface="Tahoma" panose="020B0604030504040204" pitchFamily="34" charset="0"/>
+              </a:rPr>
+              <a:t>Loss</a:t>
+            </a:r>
+            <a:endParaRPr lang="fr-FR" dirty="0">
+              <a:latin typeface="Tahoma" panose="020B0604030504040204" pitchFamily="34" charset="0"/>
+              <a:ea typeface="Tahoma" panose="020B0604030504040204" pitchFamily="34" charset="0"/>
+              <a:cs typeface="Tahoma" panose="020B0604030504040204" pitchFamily="34" charset="0"/>
+            </a:endParaRPr>
+          </a:p>
+        </p:txBody>
+      </p:sp>
+      <p:pic>
+        <p:nvPicPr>
+          <p:cNvPr id="5" name="Picture 8">
+            <a:extLst>
+              <a:ext uri="{FF2B5EF4-FFF2-40B4-BE49-F238E27FC236}">
+                <a16:creationId xmlns:a16="http://schemas.microsoft.com/office/drawing/2014/main" id="{355E9B94-AA1E-D2FA-6E19-E456CABDE37E}"/>
+              </a:ext>
+            </a:extLst>
+          </p:cNvPr>
+          <p:cNvPicPr>
+            <a:picLocks noChangeAspect="1" noChangeArrowheads="1"/>
+          </p:cNvPicPr>
+          <p:nvPr/>
+        </p:nvPicPr>
+        <p:blipFill>
+          <a:blip r:embed="rId3">
+            <a:extLst>
+              <a:ext uri="{28A0092B-C50C-407E-A947-70E740481C1C}">
+                <a14:useLocalDpi xmlns:a14="http://schemas.microsoft.com/office/drawing/2010/main" val="0"/>
+              </a:ext>
+            </a:extLst>
+          </a:blip>
+          <a:srcRect/>
+          <a:stretch>
+            <a:fillRect/>
+          </a:stretch>
+        </p:blipFill>
+        <p:spPr bwMode="auto">
+          <a:xfrm>
+            <a:off x="2527997" y="3865406"/>
+            <a:ext cx="2873373" cy="2232549"/>
+          </a:xfrm>
+          <a:prstGeom prst="rect">
+            <a:avLst/>
+          </a:prstGeom>
+          <a:noFill/>
+          <a:extLst>
+            <a:ext uri="{909E8E84-426E-40DD-AFC4-6F175D3DCCD1}">
+              <a14:hiddenFill xmlns:a14="http://schemas.microsoft.com/office/drawing/2010/main">
+                <a:solidFill>
+                  <a:srgbClr val="FFFFFF"/>
+                </a:solidFill>
+              </a14:hiddenFill>
+            </a:ext>
+          </a:extLst>
+        </p:spPr>
+      </p:pic>
+      <p:pic>
+        <p:nvPicPr>
+          <p:cNvPr id="6" name="Picture 10">
+            <a:extLst>
+              <a:ext uri="{FF2B5EF4-FFF2-40B4-BE49-F238E27FC236}">
+                <a16:creationId xmlns:a16="http://schemas.microsoft.com/office/drawing/2014/main" id="{49B073CD-95E5-31B2-64C8-3F9C64ED7EF7}"/>
+              </a:ext>
+            </a:extLst>
+          </p:cNvPr>
+          <p:cNvPicPr>
+            <a:picLocks noChangeAspect="1" noChangeArrowheads="1"/>
+          </p:cNvPicPr>
+          <p:nvPr/>
+        </p:nvPicPr>
+        <p:blipFill>
+          <a:blip r:embed="rId4">
+            <a:extLst>
+              <a:ext uri="{28A0092B-C50C-407E-A947-70E740481C1C}">
+                <a14:useLocalDpi xmlns:a14="http://schemas.microsoft.com/office/drawing/2010/main" val="0"/>
+              </a:ext>
+            </a:extLst>
+          </a:blip>
+          <a:srcRect/>
+          <a:stretch>
+            <a:fillRect/>
+          </a:stretch>
+        </p:blipFill>
+        <p:spPr bwMode="auto">
+          <a:xfrm>
+            <a:off x="2527998" y="1553533"/>
+            <a:ext cx="2873373" cy="2144694"/>
+          </a:xfrm>
+          <a:prstGeom prst="rect">
+            <a:avLst/>
+          </a:prstGeom>
+          <a:noFill/>
+          <a:extLst>
+            <a:ext uri="{909E8E84-426E-40DD-AFC4-6F175D3DCCD1}">
+              <a14:hiddenFill xmlns:a14="http://schemas.microsoft.com/office/drawing/2010/main">
+                <a:solidFill>
+                  <a:srgbClr val="FFFFFF"/>
+                </a:solidFill>
+              </a14:hiddenFill>
+            </a:ext>
+          </a:extLst>
+        </p:spPr>
+      </p:pic>
+      <p:sp>
+        <p:nvSpPr>
+          <p:cNvPr id="7" name="Espace réservé du contenu 2">
+            <a:extLst>
+              <a:ext uri="{FF2B5EF4-FFF2-40B4-BE49-F238E27FC236}">
+                <a16:creationId xmlns:a16="http://schemas.microsoft.com/office/drawing/2014/main" id="{4EBD41B2-43D4-6BE4-F62F-CF2296257BB7}"/>
+              </a:ext>
+            </a:extLst>
+          </p:cNvPr>
+          <p:cNvSpPr txBox="1">
+            <a:spLocks/>
+          </p:cNvSpPr>
+          <p:nvPr/>
+        </p:nvSpPr>
+        <p:spPr>
+          <a:xfrm>
+            <a:off x="1094692" y="4720182"/>
+            <a:ext cx="1319364" cy="522998"/>
+          </a:xfrm>
+          <a:prstGeom prst="rect">
+            <a:avLst/>
+          </a:prstGeom>
+        </p:spPr>
+        <p:txBody>
+          <a:bodyPr vert="horz" lIns="91440" tIns="45720" rIns="91440" bIns="45720" rtlCol="0" anchor="t">
+            <a:normAutofit fontScale="92500"/>
+          </a:bodyPr>
+          <a:lstStyle>
+            <a:lvl1pPr marL="228600" indent="-228600" algn="l" defTabSz="914400" rtl="0" eaLnBrk="1" latinLnBrk="0" hangingPunct="1">
+              <a:lnSpc>
+                <a:spcPct val="120000"/>
+              </a:lnSpc>
+              <a:spcBef>
+                <a:spcPts val="1000"/>
+              </a:spcBef>
+              <a:buSzPct val="125000"/>
+              <a:buFont typeface="Arial" panose="020B0604020202020204" pitchFamily="34" charset="0"/>
+              <a:buChar char="•"/>
+              <a:defRPr sz="2400" kern="1200">
+                <a:solidFill>
+                  <a:schemeClr val="tx1"/>
+                </a:solidFill>
+                <a:latin typeface="+mn-lt"/>
+                <a:ea typeface="+mn-ea"/>
+                <a:cs typeface="+mn-cs"/>
+              </a:defRPr>
+            </a:lvl1pPr>
+            <a:lvl2pPr marL="685800" indent="-228600" algn="l" defTabSz="914400" rtl="0" eaLnBrk="1" latinLnBrk="0" hangingPunct="1">
+              <a:lnSpc>
+                <a:spcPct val="120000"/>
+              </a:lnSpc>
+              <a:spcBef>
+                <a:spcPts val="500"/>
+              </a:spcBef>
+              <a:buSzPct val="125000"/>
+              <a:buFont typeface="Arial" panose="020B0604020202020204" pitchFamily="34" charset="0"/>
+              <a:buChar char="•"/>
+              <a:defRPr sz="2000" kern="1200">
+                <a:solidFill>
+                  <a:schemeClr val="tx1"/>
+                </a:solidFill>
+                <a:latin typeface="+mn-lt"/>
+                <a:ea typeface="+mn-ea"/>
+                <a:cs typeface="+mn-cs"/>
+              </a:defRPr>
+            </a:lvl2pPr>
+            <a:lvl3pPr marL="1143000" indent="-228600" algn="l" defTabSz="914400" rtl="0" eaLnBrk="1" latinLnBrk="0" hangingPunct="1">
+              <a:lnSpc>
+                <a:spcPct val="120000"/>
+              </a:lnSpc>
+              <a:spcBef>
+                <a:spcPts val="500"/>
+              </a:spcBef>
+              <a:buSzPct val="125000"/>
+              <a:buFont typeface="Arial" panose="020B0604020202020204" pitchFamily="34" charset="0"/>
+              <a:buChar char="•"/>
+              <a:defRPr sz="1800" kern="1200">
+                <a:solidFill>
+                  <a:schemeClr val="tx1"/>
+                </a:solidFill>
+                <a:latin typeface="+mn-lt"/>
+                <a:ea typeface="+mn-ea"/>
+                <a:cs typeface="+mn-cs"/>
+              </a:defRPr>
+            </a:lvl3pPr>
+            <a:lvl4pPr marL="1600200" indent="-228600" algn="l" defTabSz="914400" rtl="0" eaLnBrk="1" latinLnBrk="0" hangingPunct="1">
+              <a:lnSpc>
+                <a:spcPct val="120000"/>
+              </a:lnSpc>
+              <a:spcBef>
+                <a:spcPts val="500"/>
+              </a:spcBef>
+              <a:buSzPct val="125000"/>
+              <a:buFont typeface="Arial" panose="020B0604020202020204" pitchFamily="34" charset="0"/>
+              <a:buChar char="•"/>
+              <a:defRPr sz="1600" kern="1200">
+                <a:solidFill>
+                  <a:schemeClr val="tx1"/>
+                </a:solidFill>
+                <a:latin typeface="+mn-lt"/>
+                <a:ea typeface="+mn-ea"/>
+                <a:cs typeface="+mn-cs"/>
+              </a:defRPr>
+            </a:lvl4pPr>
+            <a:lvl5pPr marL="2057400" indent="-228600" algn="l" defTabSz="914400" rtl="0" eaLnBrk="1" latinLnBrk="0" hangingPunct="1">
+              <a:lnSpc>
+                <a:spcPct val="120000"/>
+              </a:lnSpc>
+              <a:spcBef>
+                <a:spcPts val="500"/>
+              </a:spcBef>
+              <a:buSzPct val="125000"/>
+              <a:buFont typeface="Arial" panose="020B0604020202020204" pitchFamily="34" charset="0"/>
+              <a:buChar char="•"/>
+              <a:defRPr sz="1600" kern="1200">
+                <a:solidFill>
+                  <a:schemeClr val="tx1"/>
+                </a:solidFill>
+                <a:latin typeface="+mn-lt"/>
+                <a:ea typeface="+mn-ea"/>
+                <a:cs typeface="+mn-cs"/>
+              </a:defRPr>
+            </a:lvl5pPr>
+            <a:lvl6pPr marL="2514600" indent="-228600" algn="l" defTabSz="914400" rtl="0" eaLnBrk="1" latinLnBrk="0" hangingPunct="1">
+              <a:lnSpc>
+                <a:spcPct val="120000"/>
+              </a:lnSpc>
+              <a:spcBef>
+                <a:spcPts val="500"/>
+              </a:spcBef>
+              <a:buSzPct val="125000"/>
+              <a:buFont typeface="Arial" panose="020B0604020202020204" pitchFamily="34" charset="0"/>
+              <a:buChar char="•"/>
+              <a:defRPr sz="1400" kern="1200">
+                <a:solidFill>
+                  <a:schemeClr val="tx1"/>
+                </a:solidFill>
+                <a:latin typeface="+mn-lt"/>
+                <a:ea typeface="+mn-ea"/>
+                <a:cs typeface="+mn-cs"/>
+              </a:defRPr>
+            </a:lvl6pPr>
+            <a:lvl7pPr marL="2971800" indent="-228600" algn="l" defTabSz="914400" rtl="0" eaLnBrk="1" latinLnBrk="0" hangingPunct="1">
+              <a:lnSpc>
+                <a:spcPct val="120000"/>
+              </a:lnSpc>
+              <a:spcBef>
+                <a:spcPts val="500"/>
+              </a:spcBef>
+              <a:buSzPct val="125000"/>
+              <a:buFont typeface="Arial" panose="020B0604020202020204" pitchFamily="34" charset="0"/>
+              <a:buChar char="•"/>
+              <a:defRPr sz="1400" kern="1200">
+                <a:solidFill>
+                  <a:schemeClr val="tx1"/>
+                </a:solidFill>
+                <a:latin typeface="+mn-lt"/>
+                <a:ea typeface="+mn-ea"/>
+                <a:cs typeface="+mn-cs"/>
+              </a:defRPr>
+            </a:lvl7pPr>
+            <a:lvl8pPr marL="3429000" indent="-228600" algn="l" defTabSz="914400" rtl="0" eaLnBrk="1" latinLnBrk="0" hangingPunct="1">
+              <a:lnSpc>
+                <a:spcPct val="120000"/>
+              </a:lnSpc>
+              <a:spcBef>
+                <a:spcPts val="500"/>
+              </a:spcBef>
+              <a:buSzPct val="125000"/>
+              <a:buFont typeface="Arial" panose="020B0604020202020204" pitchFamily="34" charset="0"/>
+              <a:buChar char="•"/>
+              <a:defRPr sz="1400" kern="1200">
+                <a:solidFill>
+                  <a:schemeClr val="tx1"/>
+                </a:solidFill>
+                <a:latin typeface="+mn-lt"/>
+                <a:ea typeface="+mn-ea"/>
+                <a:cs typeface="+mn-cs"/>
+              </a:defRPr>
+            </a:lvl8pPr>
+            <a:lvl9pPr marL="3886200" indent="-228600" algn="l" defTabSz="914400" rtl="0" eaLnBrk="1" latinLnBrk="0" hangingPunct="1">
+              <a:lnSpc>
+                <a:spcPct val="120000"/>
+              </a:lnSpc>
+              <a:spcBef>
+                <a:spcPts val="500"/>
+              </a:spcBef>
+              <a:buSzPct val="125000"/>
+              <a:buFont typeface="Arial" panose="020B0604020202020204" pitchFamily="34" charset="0"/>
+              <a:buChar char="•"/>
+              <a:defRPr sz="1400" kern="1200">
+                <a:solidFill>
+                  <a:schemeClr val="tx1"/>
+                </a:solidFill>
+                <a:latin typeface="+mn-lt"/>
+                <a:ea typeface="+mn-ea"/>
+                <a:cs typeface="+mn-cs"/>
+              </a:defRPr>
+            </a:lvl9pPr>
+          </a:lstStyle>
+          <a:p>
+            <a:pPr marL="0" indent="0">
+              <a:buFont typeface="Arial" panose="020B0604020202020204" pitchFamily="34" charset="0"/>
+              <a:buNone/>
+            </a:pPr>
+            <a:r>
+              <a:rPr lang="fr-FR" dirty="0" err="1">
+                <a:latin typeface="Tahoma" panose="020B0604030504040204" pitchFamily="34" charset="0"/>
+                <a:ea typeface="Tahoma" panose="020B0604030504040204" pitchFamily="34" charset="0"/>
+                <a:cs typeface="Tahoma" panose="020B0604030504040204" pitchFamily="34" charset="0"/>
+              </a:rPr>
+              <a:t>Accuracy</a:t>
+            </a:r>
+            <a:endParaRPr lang="fr-FR" dirty="0">
+              <a:latin typeface="Tahoma" panose="020B0604030504040204" pitchFamily="34" charset="0"/>
+              <a:ea typeface="Tahoma" panose="020B0604030504040204" pitchFamily="34" charset="0"/>
+              <a:cs typeface="Tahoma" panose="020B0604030504040204" pitchFamily="34" charset="0"/>
+            </a:endParaRPr>
+          </a:p>
+        </p:txBody>
+      </p:sp>
+      <p:pic>
+        <p:nvPicPr>
+          <p:cNvPr id="8194" name="Picture 2">
+            <a:extLst>
+              <a:ext uri="{FF2B5EF4-FFF2-40B4-BE49-F238E27FC236}">
+                <a16:creationId xmlns:a16="http://schemas.microsoft.com/office/drawing/2014/main" id="{989D20B5-EEB5-D385-E791-0BE7C8424B02}"/>
+              </a:ext>
+            </a:extLst>
+          </p:cNvPr>
+          <p:cNvPicPr>
+            <a:picLocks noChangeAspect="1" noChangeArrowheads="1"/>
+          </p:cNvPicPr>
+          <p:nvPr/>
+        </p:nvPicPr>
+        <p:blipFill>
+          <a:blip r:embed="rId5">
+            <a:extLst>
+              <a:ext uri="{28A0092B-C50C-407E-A947-70E740481C1C}">
+                <a14:useLocalDpi xmlns:a14="http://schemas.microsoft.com/office/drawing/2010/main" val="0"/>
+              </a:ext>
+            </a:extLst>
+          </a:blip>
+          <a:srcRect/>
+          <a:stretch>
+            <a:fillRect/>
+          </a:stretch>
+        </p:blipFill>
+        <p:spPr bwMode="auto">
+          <a:xfrm>
+            <a:off x="6191933" y="1808006"/>
+            <a:ext cx="4905375" cy="4114800"/>
+          </a:xfrm>
+          <a:prstGeom prst="rect">
+            <a:avLst/>
+          </a:prstGeom>
+          <a:noFill/>
+          <a:extLst>
+            <a:ext uri="{909E8E84-426E-40DD-AFC4-6F175D3DCCD1}">
+              <a14:hiddenFill xmlns:a14="http://schemas.microsoft.com/office/drawing/2010/main">
+                <a:solidFill>
+                  <a:srgbClr val="FFFFFF"/>
+                </a:solidFill>
+              </a14:hiddenFill>
+            </a:ext>
+          </a:extLst>
+        </p:spPr>
+      </p:pic>
+    </p:spTree>
+    <p:extLst>
+      <p:ext uri="{BB962C8B-B14F-4D97-AF65-F5344CB8AC3E}">
+        <p14:creationId xmlns:p14="http://schemas.microsoft.com/office/powerpoint/2010/main" val="3503852644"/>
+      </p:ext>
+    </p:extLst>
+  </p:cSld>
+  <p:clrMapOvr>
+    <a:masterClrMapping/>
+  </p:clrMapOvr>
+</p:sld>
+</file>
+
+<file path=ppt/slides/slide11.xml><?xml version="1.0" encoding="utf-8"?>
 <p:sld xmlns:a="http://schemas.openxmlformats.org/drawingml/2006/main" xmlns:r="http://schemas.openxmlformats.org/officeDocument/2006/relationships" xmlns:p="http://schemas.openxmlformats.org/presentationml/2006/main">
   <p:cSld>
     <p:spTree>
@@ -14509,7 +15071,7 @@
 </p:sld>
 </file>
 
-<file path=ppt/slides/slide11.xml><?xml version="1.0" encoding="utf-8"?>
+<file path=ppt/slides/slide12.xml><?xml version="1.0" encoding="utf-8"?>
 <p:sld xmlns:a="http://schemas.openxmlformats.org/drawingml/2006/main" xmlns:r="http://schemas.openxmlformats.org/officeDocument/2006/relationships" xmlns:p="http://schemas.openxmlformats.org/presentationml/2006/main">
   <p:cSld>
     <p:spTree>
@@ -14694,7 +15256,7 @@
 </p:sld>
 </file>
 
-<file path=ppt/slides/slide12.xml><?xml version="1.0" encoding="utf-8"?>
+<file path=ppt/slides/slide13.xml><?xml version="1.0" encoding="utf-8"?>
 <p:sld xmlns:a="http://schemas.openxmlformats.org/drawingml/2006/main" xmlns:r="http://schemas.openxmlformats.org/officeDocument/2006/relationships" xmlns:p="http://schemas.openxmlformats.org/presentationml/2006/main">
   <p:cSld>
     <p:spTree>
@@ -14857,7 +15419,7 @@
 </p:sld>
 </file>
 
-<file path=ppt/slides/slide13.xml><?xml version="1.0" encoding="utf-8"?>
+<file path=ppt/slides/slide14.xml><?xml version="1.0" encoding="utf-8"?>
 <p:sld xmlns:a="http://schemas.openxmlformats.org/drawingml/2006/main" xmlns:r="http://schemas.openxmlformats.org/officeDocument/2006/relationships" xmlns:p="http://schemas.openxmlformats.org/presentationml/2006/main">
   <p:cSld>
     <p:spTree>
@@ -17221,7 +17783,7 @@
         </p:nvSpPr>
         <p:spPr>
           <a:xfrm>
-            <a:off x="1191310" y="74963"/>
+            <a:off x="1267627" y="206095"/>
             <a:ext cx="9905998" cy="1478570"/>
           </a:xfrm>
         </p:spPr>
@@ -17236,424 +17798,126 @@
               <a:rPr lang="fr-FR" sz="4400" dirty="0">
                 <a:latin typeface="Rockwell" panose="02060603020205020403" pitchFamily="18" charset="0"/>
               </a:rPr>
-              <a:t>Evaluation du modèle</a:t>
+              <a:t>model</a:t>
             </a:r>
           </a:p>
         </p:txBody>
       </p:sp>
-      <p:sp>
-        <p:nvSpPr>
-          <p:cNvPr id="3" name="Espace réservé du contenu 2">
+      <p:pic>
+        <p:nvPicPr>
+          <p:cNvPr id="8" name="Image 7">
             <a:extLst>
               <a:ext uri="{FF2B5EF4-FFF2-40B4-BE49-F238E27FC236}">
-                <a16:creationId xmlns:a16="http://schemas.microsoft.com/office/drawing/2014/main" id="{143F5361-68C0-4BF5-80C8-F1E7BF92B2DB}"/>
-              </a:ext>
-            </a:extLst>
-          </p:cNvPr>
-          <p:cNvSpPr>
-            <a:spLocks noGrp="1"/>
-          </p:cNvSpPr>
-          <p:nvPr>
-            <p:ph idx="1"/>
-          </p:nvPr>
-        </p:nvSpPr>
-        <p:spPr>
-          <a:xfrm>
-            <a:off x="1244621" y="2302515"/>
-            <a:ext cx="1019505" cy="526380"/>
-          </a:xfrm>
-        </p:spPr>
-        <p:txBody>
-          <a:bodyPr vert="horz" lIns="91440" tIns="45720" rIns="91440" bIns="45720" rtlCol="0" anchor="t">
-            <a:normAutofit/>
-          </a:bodyPr>
-          <a:lstStyle/>
-          <a:p>
-            <a:pPr marL="0" lvl="0" indent="0" rtl="0">
-              <a:buNone/>
-            </a:pPr>
-            <a:r>
-              <a:rPr lang="fr-FR" dirty="0" err="1">
-                <a:latin typeface="Tahoma" panose="020B0604030504040204" pitchFamily="34" charset="0"/>
-                <a:ea typeface="Tahoma" panose="020B0604030504040204" pitchFamily="34" charset="0"/>
-                <a:cs typeface="Tahoma" panose="020B0604030504040204" pitchFamily="34" charset="0"/>
-              </a:rPr>
-              <a:t>Loss</a:t>
-            </a:r>
-            <a:endParaRPr lang="fr-FR" dirty="0">
-              <a:latin typeface="Tahoma" panose="020B0604030504040204" pitchFamily="34" charset="0"/>
-              <a:ea typeface="Tahoma" panose="020B0604030504040204" pitchFamily="34" charset="0"/>
-              <a:cs typeface="Tahoma" panose="020B0604030504040204" pitchFamily="34" charset="0"/>
-            </a:endParaRPr>
-          </a:p>
-        </p:txBody>
-      </p:sp>
-      <p:pic>
-        <p:nvPicPr>
-          <p:cNvPr id="5" name="Picture 8">
-            <a:extLst>
-              <a:ext uri="{FF2B5EF4-FFF2-40B4-BE49-F238E27FC236}">
-                <a16:creationId xmlns:a16="http://schemas.microsoft.com/office/drawing/2014/main" id="{355E9B94-AA1E-D2FA-6E19-E456CABDE37E}"/>
+                <a16:creationId xmlns:a16="http://schemas.microsoft.com/office/drawing/2014/main" id="{5371E927-BA88-1349-3F47-D853AC603C43}"/>
               </a:ext>
             </a:extLst>
           </p:cNvPr>
           <p:cNvPicPr>
-            <a:picLocks noChangeAspect="1" noChangeArrowheads="1"/>
+            <a:picLocks noChangeAspect="1"/>
+          </p:cNvPicPr>
+          <p:nvPr/>
+        </p:nvPicPr>
+        <p:blipFill rotWithShape="1">
+          <a:blip r:embed="rId3"/>
+          <a:srcRect l="5256"/>
+          <a:stretch/>
+        </p:blipFill>
+        <p:spPr>
+          <a:xfrm>
+            <a:off x="709298" y="2096542"/>
+            <a:ext cx="4383262" cy="3168769"/>
+          </a:xfrm>
+          <a:prstGeom prst="rect">
+            <a:avLst/>
+          </a:prstGeom>
+        </p:spPr>
+      </p:pic>
+      <p:pic>
+        <p:nvPicPr>
+          <p:cNvPr id="9" name="Image 8">
+            <a:extLst>
+              <a:ext uri="{FF2B5EF4-FFF2-40B4-BE49-F238E27FC236}">
+                <a16:creationId xmlns:a16="http://schemas.microsoft.com/office/drawing/2014/main" id="{04460C0D-D999-0616-7909-7C53EB9FF0EA}"/>
+              </a:ext>
+            </a:extLst>
+          </p:cNvPr>
+          <p:cNvPicPr>
+            <a:picLocks noChangeAspect="1"/>
           </p:cNvPicPr>
           <p:nvPr/>
         </p:nvPicPr>
         <p:blipFill>
-          <a:blip r:embed="rId3">
-            <a:extLst>
-              <a:ext uri="{28A0092B-C50C-407E-A947-70E740481C1C}">
-                <a14:useLocalDpi xmlns:a14="http://schemas.microsoft.com/office/drawing/2010/main" val="0"/>
-              </a:ext>
-            </a:extLst>
-          </a:blip>
-          <a:srcRect/>
+          <a:blip r:embed="rId4"/>
           <a:stretch>
             <a:fillRect/>
           </a:stretch>
         </p:blipFill>
-        <p:spPr bwMode="auto">
+        <p:spPr>
           <a:xfrm>
-            <a:off x="2527997" y="3865406"/>
-            <a:ext cx="2873373" cy="2232549"/>
+            <a:off x="5261488" y="2293818"/>
+            <a:ext cx="6408975" cy="2606266"/>
+          </a:xfrm>
+          <a:prstGeom prst="rect">
+            <a:avLst/>
+          </a:prstGeom>
+        </p:spPr>
+      </p:pic>
+      <p:sp>
+        <p:nvSpPr>
+          <p:cNvPr id="11" name="ZoneTexte 10">
+            <a:extLst>
+              <a:ext uri="{FF2B5EF4-FFF2-40B4-BE49-F238E27FC236}">
+                <a16:creationId xmlns:a16="http://schemas.microsoft.com/office/drawing/2014/main" id="{9E372B0B-2830-2553-09E9-FCF910084DFB}"/>
+              </a:ext>
+            </a:extLst>
+          </p:cNvPr>
+          <p:cNvSpPr txBox="1"/>
+          <p:nvPr/>
+        </p:nvSpPr>
+        <p:spPr>
+          <a:xfrm>
+            <a:off x="6706186" y="5165117"/>
+            <a:ext cx="2755055" cy="954107"/>
           </a:xfrm>
           <a:prstGeom prst="rect">
             <a:avLst/>
           </a:prstGeom>
           <a:noFill/>
-          <a:extLst>
-            <a:ext uri="{909E8E84-426E-40DD-AFC4-6F175D3DCCD1}">
-              <a14:hiddenFill xmlns:a14="http://schemas.microsoft.com/office/drawing/2010/main">
-                <a:solidFill>
-                  <a:srgbClr val="FFFFFF"/>
-                </a:solidFill>
-              </a14:hiddenFill>
-            </a:ext>
-          </a:extLst>
-        </p:spPr>
-      </p:pic>
-      <p:pic>
-        <p:nvPicPr>
-          <p:cNvPr id="6" name="Picture 10">
-            <a:extLst>
-              <a:ext uri="{FF2B5EF4-FFF2-40B4-BE49-F238E27FC236}">
-                <a16:creationId xmlns:a16="http://schemas.microsoft.com/office/drawing/2014/main" id="{49B073CD-95E5-31B2-64C8-3F9C64ED7EF7}"/>
-              </a:ext>
-            </a:extLst>
-          </p:cNvPr>
-          <p:cNvPicPr>
-            <a:picLocks noChangeAspect="1" noChangeArrowheads="1"/>
-          </p:cNvPicPr>
-          <p:nvPr/>
-        </p:nvPicPr>
-        <p:blipFill>
-          <a:blip r:embed="rId4">
-            <a:extLst>
-              <a:ext uri="{28A0092B-C50C-407E-A947-70E740481C1C}">
-                <a14:useLocalDpi xmlns:a14="http://schemas.microsoft.com/office/drawing/2010/main" val="0"/>
-              </a:ext>
-            </a:extLst>
-          </a:blip>
-          <a:srcRect/>
-          <a:stretch>
-            <a:fillRect/>
-          </a:stretch>
-        </p:blipFill>
-        <p:spPr bwMode="auto">
-          <a:xfrm>
-            <a:off x="2527998" y="1553533"/>
-            <a:ext cx="2873373" cy="2144694"/>
-          </a:xfrm>
-          <a:prstGeom prst="rect">
-            <a:avLst/>
-          </a:prstGeom>
-          <a:noFill/>
-          <a:extLst>
-            <a:ext uri="{909E8E84-426E-40DD-AFC4-6F175D3DCCD1}">
-              <a14:hiddenFill xmlns:a14="http://schemas.microsoft.com/office/drawing/2010/main">
-                <a:solidFill>
-                  <a:srgbClr val="FFFFFF"/>
-                </a:solidFill>
-              </a14:hiddenFill>
-            </a:ext>
-          </a:extLst>
-        </p:spPr>
-      </p:pic>
-      <p:sp>
-        <p:nvSpPr>
-          <p:cNvPr id="7" name="Espace réservé du contenu 2">
-            <a:extLst>
-              <a:ext uri="{FF2B5EF4-FFF2-40B4-BE49-F238E27FC236}">
-                <a16:creationId xmlns:a16="http://schemas.microsoft.com/office/drawing/2014/main" id="{4EBD41B2-43D4-6BE4-F62F-CF2296257BB7}"/>
-              </a:ext>
-            </a:extLst>
-          </p:cNvPr>
-          <p:cNvSpPr txBox="1">
-            <a:spLocks/>
-          </p:cNvSpPr>
-          <p:nvPr/>
-        </p:nvSpPr>
-        <p:spPr>
-          <a:xfrm>
-            <a:off x="1094692" y="4720182"/>
-            <a:ext cx="1319364" cy="522998"/>
-          </a:xfrm>
-          <a:prstGeom prst="rect">
-            <a:avLst/>
-          </a:prstGeom>
         </p:spPr>
         <p:txBody>
-          <a:bodyPr vert="horz" lIns="91440" tIns="45720" rIns="91440" bIns="45720" rtlCol="0" anchor="t">
-            <a:normAutofit fontScale="92500"/>
+          <a:bodyPr wrap="square" rtlCol="0">
+            <a:spAutoFit/>
           </a:bodyPr>
-          <a:lstStyle>
-            <a:lvl1pPr marL="228600" indent="-228600" algn="l" defTabSz="914400" rtl="0" eaLnBrk="1" latinLnBrk="0" hangingPunct="1">
-              <a:lnSpc>
-                <a:spcPct val="120000"/>
-              </a:lnSpc>
-              <a:spcBef>
-                <a:spcPts val="1000"/>
-              </a:spcBef>
-              <a:buSzPct val="125000"/>
-              <a:buFont typeface="Arial" panose="020B0604020202020204" pitchFamily="34" charset="0"/>
-              <a:buChar char="•"/>
-              <a:defRPr sz="2400" kern="1200">
-                <a:solidFill>
-                  <a:schemeClr val="tx1"/>
-                </a:solidFill>
-                <a:latin typeface="+mn-lt"/>
-                <a:ea typeface="+mn-ea"/>
-                <a:cs typeface="+mn-cs"/>
-              </a:defRPr>
-            </a:lvl1pPr>
-            <a:lvl2pPr marL="685800" indent="-228600" algn="l" defTabSz="914400" rtl="0" eaLnBrk="1" latinLnBrk="0" hangingPunct="1">
-              <a:lnSpc>
-                <a:spcPct val="120000"/>
-              </a:lnSpc>
-              <a:spcBef>
-                <a:spcPts val="500"/>
-              </a:spcBef>
-              <a:buSzPct val="125000"/>
-              <a:buFont typeface="Arial" panose="020B0604020202020204" pitchFamily="34" charset="0"/>
-              <a:buChar char="•"/>
-              <a:defRPr sz="2000" kern="1200">
-                <a:solidFill>
-                  <a:schemeClr val="tx1"/>
-                </a:solidFill>
-                <a:latin typeface="+mn-lt"/>
-                <a:ea typeface="+mn-ea"/>
-                <a:cs typeface="+mn-cs"/>
-              </a:defRPr>
-            </a:lvl2pPr>
-            <a:lvl3pPr marL="1143000" indent="-228600" algn="l" defTabSz="914400" rtl="0" eaLnBrk="1" latinLnBrk="0" hangingPunct="1">
-              <a:lnSpc>
-                <a:spcPct val="120000"/>
-              </a:lnSpc>
-              <a:spcBef>
-                <a:spcPts val="500"/>
-              </a:spcBef>
-              <a:buSzPct val="125000"/>
-              <a:buFont typeface="Arial" panose="020B0604020202020204" pitchFamily="34" charset="0"/>
-              <a:buChar char="•"/>
-              <a:defRPr sz="1800" kern="1200">
-                <a:solidFill>
-                  <a:schemeClr val="tx1"/>
-                </a:solidFill>
-                <a:latin typeface="+mn-lt"/>
-                <a:ea typeface="+mn-ea"/>
-                <a:cs typeface="+mn-cs"/>
-              </a:defRPr>
-            </a:lvl3pPr>
-            <a:lvl4pPr marL="1600200" indent="-228600" algn="l" defTabSz="914400" rtl="0" eaLnBrk="1" latinLnBrk="0" hangingPunct="1">
-              <a:lnSpc>
-                <a:spcPct val="120000"/>
-              </a:lnSpc>
-              <a:spcBef>
-                <a:spcPts val="500"/>
-              </a:spcBef>
-              <a:buSzPct val="125000"/>
-              <a:buFont typeface="Arial" panose="020B0604020202020204" pitchFamily="34" charset="0"/>
-              <a:buChar char="•"/>
-              <a:defRPr sz="1600" kern="1200">
-                <a:solidFill>
-                  <a:schemeClr val="tx1"/>
-                </a:solidFill>
-                <a:latin typeface="+mn-lt"/>
-                <a:ea typeface="+mn-ea"/>
-                <a:cs typeface="+mn-cs"/>
-              </a:defRPr>
-            </a:lvl4pPr>
-            <a:lvl5pPr marL="2057400" indent="-228600" algn="l" defTabSz="914400" rtl="0" eaLnBrk="1" latinLnBrk="0" hangingPunct="1">
-              <a:lnSpc>
-                <a:spcPct val="120000"/>
-              </a:lnSpc>
-              <a:spcBef>
-                <a:spcPts val="500"/>
-              </a:spcBef>
-              <a:buSzPct val="125000"/>
-              <a:buFont typeface="Arial" panose="020B0604020202020204" pitchFamily="34" charset="0"/>
-              <a:buChar char="•"/>
-              <a:defRPr sz="1600" kern="1200">
-                <a:solidFill>
-                  <a:schemeClr val="tx1"/>
-                </a:solidFill>
-                <a:latin typeface="+mn-lt"/>
-                <a:ea typeface="+mn-ea"/>
-                <a:cs typeface="+mn-cs"/>
-              </a:defRPr>
-            </a:lvl5pPr>
-            <a:lvl6pPr marL="2514600" indent="-228600" algn="l" defTabSz="914400" rtl="0" eaLnBrk="1" latinLnBrk="0" hangingPunct="1">
-              <a:lnSpc>
-                <a:spcPct val="120000"/>
-              </a:lnSpc>
-              <a:spcBef>
-                <a:spcPts val="500"/>
-              </a:spcBef>
-              <a:buSzPct val="125000"/>
-              <a:buFont typeface="Arial" panose="020B0604020202020204" pitchFamily="34" charset="0"/>
-              <a:buChar char="•"/>
-              <a:defRPr sz="1400" kern="1200">
-                <a:solidFill>
-                  <a:schemeClr val="tx1"/>
-                </a:solidFill>
-                <a:latin typeface="+mn-lt"/>
-                <a:ea typeface="+mn-ea"/>
-                <a:cs typeface="+mn-cs"/>
-              </a:defRPr>
-            </a:lvl6pPr>
-            <a:lvl7pPr marL="2971800" indent="-228600" algn="l" defTabSz="914400" rtl="0" eaLnBrk="1" latinLnBrk="0" hangingPunct="1">
-              <a:lnSpc>
-                <a:spcPct val="120000"/>
-              </a:lnSpc>
-              <a:spcBef>
-                <a:spcPts val="500"/>
-              </a:spcBef>
-              <a:buSzPct val="125000"/>
-              <a:buFont typeface="Arial" panose="020B0604020202020204" pitchFamily="34" charset="0"/>
-              <a:buChar char="•"/>
-              <a:defRPr sz="1400" kern="1200">
-                <a:solidFill>
-                  <a:schemeClr val="tx1"/>
-                </a:solidFill>
-                <a:latin typeface="+mn-lt"/>
-                <a:ea typeface="+mn-ea"/>
-                <a:cs typeface="+mn-cs"/>
-              </a:defRPr>
-            </a:lvl7pPr>
-            <a:lvl8pPr marL="3429000" indent="-228600" algn="l" defTabSz="914400" rtl="0" eaLnBrk="1" latinLnBrk="0" hangingPunct="1">
-              <a:lnSpc>
-                <a:spcPct val="120000"/>
-              </a:lnSpc>
-              <a:spcBef>
-                <a:spcPts val="500"/>
-              </a:spcBef>
-              <a:buSzPct val="125000"/>
-              <a:buFont typeface="Arial" panose="020B0604020202020204" pitchFamily="34" charset="0"/>
-              <a:buChar char="•"/>
-              <a:defRPr sz="1400" kern="1200">
-                <a:solidFill>
-                  <a:schemeClr val="tx1"/>
-                </a:solidFill>
-                <a:latin typeface="+mn-lt"/>
-                <a:ea typeface="+mn-ea"/>
-                <a:cs typeface="+mn-cs"/>
-              </a:defRPr>
-            </a:lvl8pPr>
-            <a:lvl9pPr marL="3886200" indent="-228600" algn="l" defTabSz="914400" rtl="0" eaLnBrk="1" latinLnBrk="0" hangingPunct="1">
-              <a:lnSpc>
-                <a:spcPct val="120000"/>
-              </a:lnSpc>
-              <a:spcBef>
-                <a:spcPts val="500"/>
-              </a:spcBef>
-              <a:buSzPct val="125000"/>
-              <a:buFont typeface="Arial" panose="020B0604020202020204" pitchFamily="34" charset="0"/>
-              <a:buChar char="•"/>
-              <a:defRPr sz="1400" kern="1200">
-                <a:solidFill>
-                  <a:schemeClr val="tx1"/>
-                </a:solidFill>
-                <a:latin typeface="+mn-lt"/>
-                <a:ea typeface="+mn-ea"/>
-                <a:cs typeface="+mn-cs"/>
-              </a:defRPr>
-            </a:lvl9pPr>
-          </a:lstStyle>
-          <a:p>
-            <a:pPr marL="0" indent="0">
-              <a:buFont typeface="Arial" panose="020B0604020202020204" pitchFamily="34" charset="0"/>
-              <a:buNone/>
-            </a:pPr>
+          <a:lstStyle/>
+          <a:p>
+            <a:pPr algn="ctr"/>
             <a:r>
-              <a:rPr lang="fr-FR" dirty="0" err="1">
-                <a:latin typeface="Tahoma" panose="020B0604030504040204" pitchFamily="34" charset="0"/>
-                <a:ea typeface="Tahoma" panose="020B0604030504040204" pitchFamily="34" charset="0"/>
-                <a:cs typeface="Tahoma" panose="020B0604030504040204" pitchFamily="34" charset="0"/>
-              </a:rPr>
-              <a:t>Accuracy</a:t>
+              <a:rPr lang="fr-FR" sz="2800" dirty="0"/>
+              <a:t>10 </a:t>
             </a:r>
-            <a:endParaRPr lang="fr-FR" dirty="0">
-              <a:latin typeface="Tahoma" panose="020B0604030504040204" pitchFamily="34" charset="0"/>
-              <a:ea typeface="Tahoma" panose="020B0604030504040204" pitchFamily="34" charset="0"/>
-              <a:cs typeface="Tahoma" panose="020B0604030504040204" pitchFamily="34" charset="0"/>
-            </a:endParaRPr>
+            <a:r>
+              <a:rPr lang="fr-FR" sz="2800" dirty="0" err="1"/>
+              <a:t>epoch</a:t>
+            </a:r>
+            <a:endParaRPr lang="fr-FR" sz="2800" dirty="0"/>
+          </a:p>
+          <a:p>
+            <a:pPr algn="ctr"/>
+            <a:r>
+              <a:rPr lang="fr-FR" sz="2800" dirty="0" err="1"/>
+              <a:t>batch_size</a:t>
+            </a:r>
+            <a:r>
+              <a:rPr lang="fr-FR" sz="2800" dirty="0"/>
+              <a:t>=32</a:t>
+            </a:r>
           </a:p>
         </p:txBody>
       </p:sp>
-      <p:pic>
-        <p:nvPicPr>
-          <p:cNvPr id="8194" name="Picture 2">
-            <a:extLst>
-              <a:ext uri="{FF2B5EF4-FFF2-40B4-BE49-F238E27FC236}">
-                <a16:creationId xmlns:a16="http://schemas.microsoft.com/office/drawing/2014/main" id="{989D20B5-EEB5-D385-E791-0BE7C8424B02}"/>
-              </a:ext>
-            </a:extLst>
-          </p:cNvPr>
-          <p:cNvPicPr>
-            <a:picLocks noChangeAspect="1" noChangeArrowheads="1"/>
-          </p:cNvPicPr>
-          <p:nvPr/>
-        </p:nvPicPr>
-        <p:blipFill>
-          <a:blip r:embed="rId5">
-            <a:extLst>
-              <a:ext uri="{28A0092B-C50C-407E-A947-70E740481C1C}">
-                <a14:useLocalDpi xmlns:a14="http://schemas.microsoft.com/office/drawing/2010/main" val="0"/>
-              </a:ext>
-            </a:extLst>
-          </a:blip>
-          <a:srcRect/>
-          <a:stretch>
-            <a:fillRect/>
-          </a:stretch>
-        </p:blipFill>
-        <p:spPr bwMode="auto">
-          <a:xfrm>
-            <a:off x="6191933" y="1808006"/>
-            <a:ext cx="4905375" cy="4114800"/>
-          </a:xfrm>
-          <a:prstGeom prst="rect">
-            <a:avLst/>
-          </a:prstGeom>
-          <a:noFill/>
-          <a:extLst>
-            <a:ext uri="{909E8E84-426E-40DD-AFC4-6F175D3DCCD1}">
-              <a14:hiddenFill xmlns:a14="http://schemas.microsoft.com/office/drawing/2010/main">
-                <a:solidFill>
-                  <a:srgbClr val="FFFFFF"/>
-                </a:solidFill>
-              </a14:hiddenFill>
-            </a:ext>
-          </a:extLst>
-        </p:spPr>
-      </p:pic>
     </p:spTree>
     <p:extLst>
       <p:ext uri="{BB962C8B-B14F-4D97-AF65-F5344CB8AC3E}">
-        <p14:creationId xmlns:p14="http://schemas.microsoft.com/office/powerpoint/2010/main" val="3503852644"/>
+        <p14:creationId xmlns:p14="http://schemas.microsoft.com/office/powerpoint/2010/main" val="4192249042"/>
       </p:ext>
     </p:extLst>
   </p:cSld>
